--- a/Presentation.pptx
+++ b/Presentation.pptx
@@ -4,18 +4,19 @@
   <p:sldMasterIdLst>
     <p:sldMasterId id="2147483648" r:id="rId2"/>
     <p:sldMasterId id="2147483661" r:id="rId3"/>
+    <p:sldMasterId id="2147483674" r:id="rId4"/>
   </p:sldMasterIdLst>
   <p:sldIdLst>
-    <p:sldId id="256" r:id="rId4"/>
-    <p:sldId id="257" r:id="rId5"/>
-    <p:sldId id="258" r:id="rId6"/>
-    <p:sldId id="259" r:id="rId7"/>
-    <p:sldId id="260" r:id="rId8"/>
-    <p:sldId id="261" r:id="rId9"/>
-    <p:sldId id="262" r:id="rId10"/>
-    <p:sldId id="263" r:id="rId11"/>
-    <p:sldId id="264" r:id="rId12"/>
-    <p:sldId id="265" r:id="rId13"/>
+    <p:sldId id="256" r:id="rId5"/>
+    <p:sldId id="257" r:id="rId6"/>
+    <p:sldId id="258" r:id="rId7"/>
+    <p:sldId id="259" r:id="rId8"/>
+    <p:sldId id="260" r:id="rId9"/>
+    <p:sldId id="261" r:id="rId10"/>
+    <p:sldId id="262" r:id="rId11"/>
+    <p:sldId id="263" r:id="rId12"/>
+    <p:sldId id="264" r:id="rId13"/>
+    <p:sldId id="265" r:id="rId14"/>
   </p:sldIdLst>
   <p:sldSz cx="10080625" cy="5670550"/>
   <p:notesSz cx="7559675" cy="10691812"/>
@@ -74,7 +75,7 @@
         <p:spPr>
           <a:xfrm>
             <a:off x="504000" y="226080"/>
-            <a:ext cx="9071280" cy="946080"/>
+            <a:ext cx="9070920" cy="945720"/>
           </a:xfrm>
           <a:prstGeom prst="rect">
             <a:avLst/>
@@ -103,7 +104,7 @@
         <p:spPr>
           <a:xfrm>
             <a:off x="504000" y="1326600"/>
-            <a:ext cx="9071280" cy="1568160"/>
+            <a:ext cx="9070920" cy="1567800"/>
           </a:xfrm>
           <a:prstGeom prst="rect">
             <a:avLst/>
@@ -132,8 +133,8 @@
         </p:nvSpPr>
         <p:spPr>
           <a:xfrm>
-            <a:off x="504000" y="3044160"/>
-            <a:ext cx="9071280" cy="1568160"/>
+            <a:off x="504000" y="3043800"/>
+            <a:ext cx="9070920" cy="1567800"/>
           </a:xfrm>
           <a:prstGeom prst="rect">
             <a:avLst/>
@@ -185,7 +186,7 @@
         <p:spPr>
           <a:xfrm>
             <a:off x="504000" y="226080"/>
-            <a:ext cx="9071280" cy="946080"/>
+            <a:ext cx="9070920" cy="945720"/>
           </a:xfrm>
           <a:prstGeom prst="rect">
             <a:avLst/>
@@ -214,7 +215,7 @@
         <p:spPr>
           <a:xfrm>
             <a:off x="504000" y="1326600"/>
-            <a:ext cx="4426560" cy="1568160"/>
+            <a:ext cx="4426560" cy="1567800"/>
           </a:xfrm>
           <a:prstGeom prst="rect">
             <a:avLst/>
@@ -244,7 +245,7 @@
         <p:spPr>
           <a:xfrm>
             <a:off x="5152320" y="1326600"/>
-            <a:ext cx="4426560" cy="1568160"/>
+            <a:ext cx="4426560" cy="1567800"/>
           </a:xfrm>
           <a:prstGeom prst="rect">
             <a:avLst/>
@@ -273,8 +274,8 @@
         </p:nvSpPr>
         <p:spPr>
           <a:xfrm>
-            <a:off x="504000" y="3044160"/>
-            <a:ext cx="4426560" cy="1568160"/>
+            <a:off x="504000" y="3043800"/>
+            <a:ext cx="4426560" cy="1567800"/>
           </a:xfrm>
           <a:prstGeom prst="rect">
             <a:avLst/>
@@ -303,8 +304,8 @@
         </p:nvSpPr>
         <p:spPr>
           <a:xfrm>
-            <a:off x="5152320" y="3044160"/>
-            <a:ext cx="4426560" cy="1568160"/>
+            <a:off x="5152320" y="3043800"/>
+            <a:ext cx="4426560" cy="1567800"/>
           </a:xfrm>
           <a:prstGeom prst="rect">
             <a:avLst/>
@@ -356,7 +357,7 @@
         <p:spPr>
           <a:xfrm>
             <a:off x="504000" y="226080"/>
-            <a:ext cx="9071280" cy="946080"/>
+            <a:ext cx="9070920" cy="945720"/>
           </a:xfrm>
           <a:prstGeom prst="rect">
             <a:avLst/>
@@ -385,7 +386,7 @@
         <p:spPr>
           <a:xfrm>
             <a:off x="504000" y="1326600"/>
-            <a:ext cx="2920680" cy="1568160"/>
+            <a:ext cx="2920680" cy="1567800"/>
           </a:xfrm>
           <a:prstGeom prst="rect">
             <a:avLst/>
@@ -415,7 +416,7 @@
         <p:spPr>
           <a:xfrm>
             <a:off x="3571200" y="1326600"/>
-            <a:ext cx="2920680" cy="1568160"/>
+            <a:ext cx="2920680" cy="1567800"/>
           </a:xfrm>
           <a:prstGeom prst="rect">
             <a:avLst/>
@@ -445,7 +446,7 @@
         <p:spPr>
           <a:xfrm>
             <a:off x="6638040" y="1326600"/>
-            <a:ext cx="2920680" cy="1568160"/>
+            <a:ext cx="2920680" cy="1567800"/>
           </a:xfrm>
           <a:prstGeom prst="rect">
             <a:avLst/>
@@ -474,8 +475,8 @@
         </p:nvSpPr>
         <p:spPr>
           <a:xfrm>
-            <a:off x="504000" y="3044160"/>
-            <a:ext cx="2920680" cy="1568160"/>
+            <a:off x="504000" y="3043800"/>
+            <a:ext cx="2920680" cy="1567800"/>
           </a:xfrm>
           <a:prstGeom prst="rect">
             <a:avLst/>
@@ -504,8 +505,8 @@
         </p:nvSpPr>
         <p:spPr>
           <a:xfrm>
-            <a:off x="3571200" y="3044160"/>
-            <a:ext cx="2920680" cy="1568160"/>
+            <a:off x="3571200" y="3043800"/>
+            <a:ext cx="2920680" cy="1567800"/>
           </a:xfrm>
           <a:prstGeom prst="rect">
             <a:avLst/>
@@ -534,8 +535,8 @@
         </p:nvSpPr>
         <p:spPr>
           <a:xfrm>
-            <a:off x="6638040" y="3044160"/>
-            <a:ext cx="2920680" cy="1568160"/>
+            <a:off x="6638040" y="3043800"/>
+            <a:ext cx="2920680" cy="1567800"/>
           </a:xfrm>
           <a:prstGeom prst="rect">
             <a:avLst/>
@@ -609,7 +610,7 @@
         <p:spPr>
           <a:xfrm>
             <a:off x="504000" y="226080"/>
-            <a:ext cx="9071280" cy="946080"/>
+            <a:ext cx="9070920" cy="945720"/>
           </a:xfrm>
           <a:prstGeom prst="rect">
             <a:avLst/>
@@ -638,7 +639,7 @@
         <p:spPr>
           <a:xfrm>
             <a:off x="504000" y="1326600"/>
-            <a:ext cx="9071280" cy="3287880"/>
+            <a:ext cx="9070920" cy="3287520"/>
           </a:xfrm>
           <a:prstGeom prst="rect">
             <a:avLst/>
@@ -689,7 +690,7 @@
         <p:spPr>
           <a:xfrm>
             <a:off x="504000" y="226080"/>
-            <a:ext cx="9071280" cy="946080"/>
+            <a:ext cx="9070920" cy="945720"/>
           </a:xfrm>
           <a:prstGeom prst="rect">
             <a:avLst/>
@@ -718,7 +719,7 @@
         <p:spPr>
           <a:xfrm>
             <a:off x="504000" y="1326600"/>
-            <a:ext cx="9071280" cy="3287880"/>
+            <a:ext cx="9070920" cy="3287520"/>
           </a:xfrm>
           <a:prstGeom prst="rect">
             <a:avLst/>
@@ -770,7 +771,7 @@
         <p:spPr>
           <a:xfrm>
             <a:off x="504000" y="226080"/>
-            <a:ext cx="9071280" cy="946080"/>
+            <a:ext cx="9070920" cy="945720"/>
           </a:xfrm>
           <a:prstGeom prst="rect">
             <a:avLst/>
@@ -799,7 +800,7 @@
         <p:spPr>
           <a:xfrm>
             <a:off x="504000" y="1326600"/>
-            <a:ext cx="4426560" cy="3287880"/>
+            <a:ext cx="4426560" cy="3287520"/>
           </a:xfrm>
           <a:prstGeom prst="rect">
             <a:avLst/>
@@ -829,7 +830,7 @@
         <p:spPr>
           <a:xfrm>
             <a:off x="5152320" y="1326600"/>
-            <a:ext cx="4426560" cy="3287880"/>
+            <a:ext cx="4426560" cy="3287520"/>
           </a:xfrm>
           <a:prstGeom prst="rect">
             <a:avLst/>
@@ -881,7 +882,7 @@
         <p:spPr>
           <a:xfrm>
             <a:off x="504000" y="226080"/>
-            <a:ext cx="9071280" cy="946080"/>
+            <a:ext cx="9070920" cy="945720"/>
           </a:xfrm>
           <a:prstGeom prst="rect">
             <a:avLst/>
@@ -932,7 +933,7 @@
         <p:spPr>
           <a:xfrm>
             <a:off x="504000" y="226080"/>
-            <a:ext cx="9071280" cy="4386600"/>
+            <a:ext cx="9070920" cy="4385160"/>
           </a:xfrm>
           <a:prstGeom prst="rect">
             <a:avLst/>
@@ -983,7 +984,7 @@
         <p:spPr>
           <a:xfrm>
             <a:off x="504000" y="226080"/>
-            <a:ext cx="9071280" cy="946080"/>
+            <a:ext cx="9070920" cy="945720"/>
           </a:xfrm>
           <a:prstGeom prst="rect">
             <a:avLst/>
@@ -1012,7 +1013,7 @@
         <p:spPr>
           <a:xfrm>
             <a:off x="504000" y="1326600"/>
-            <a:ext cx="4426560" cy="1568160"/>
+            <a:ext cx="4426560" cy="1567800"/>
           </a:xfrm>
           <a:prstGeom prst="rect">
             <a:avLst/>
@@ -1042,7 +1043,7 @@
         <p:spPr>
           <a:xfrm>
             <a:off x="5152320" y="1326600"/>
-            <a:ext cx="4426560" cy="3287880"/>
+            <a:ext cx="4426560" cy="3287520"/>
           </a:xfrm>
           <a:prstGeom prst="rect">
             <a:avLst/>
@@ -1071,8 +1072,8 @@
         </p:nvSpPr>
         <p:spPr>
           <a:xfrm>
-            <a:off x="504000" y="3044160"/>
-            <a:ext cx="4426560" cy="1568160"/>
+            <a:off x="504000" y="3043800"/>
+            <a:ext cx="4426560" cy="1567800"/>
           </a:xfrm>
           <a:prstGeom prst="rect">
             <a:avLst/>
@@ -1124,7 +1125,7 @@
         <p:spPr>
           <a:xfrm>
             <a:off x="504000" y="226080"/>
-            <a:ext cx="9071280" cy="946080"/>
+            <a:ext cx="9070920" cy="945720"/>
           </a:xfrm>
           <a:prstGeom prst="rect">
             <a:avLst/>
@@ -1153,7 +1154,7 @@
         <p:spPr>
           <a:xfrm>
             <a:off x="504000" y="1326600"/>
-            <a:ext cx="9071280" cy="3287880"/>
+            <a:ext cx="9070920" cy="3287520"/>
           </a:xfrm>
           <a:prstGeom prst="rect">
             <a:avLst/>
@@ -1204,7 +1205,7 @@
         <p:spPr>
           <a:xfrm>
             <a:off x="504000" y="226080"/>
-            <a:ext cx="9071280" cy="946080"/>
+            <a:ext cx="9070920" cy="945720"/>
           </a:xfrm>
           <a:prstGeom prst="rect">
             <a:avLst/>
@@ -1233,7 +1234,7 @@
         <p:spPr>
           <a:xfrm>
             <a:off x="504000" y="1326600"/>
-            <a:ext cx="4426560" cy="3287880"/>
+            <a:ext cx="4426560" cy="3287520"/>
           </a:xfrm>
           <a:prstGeom prst="rect">
             <a:avLst/>
@@ -1263,7 +1264,7 @@
         <p:spPr>
           <a:xfrm>
             <a:off x="5152320" y="1326600"/>
-            <a:ext cx="4426560" cy="1568160"/>
+            <a:ext cx="4426560" cy="1567800"/>
           </a:xfrm>
           <a:prstGeom prst="rect">
             <a:avLst/>
@@ -1292,8 +1293,8 @@
         </p:nvSpPr>
         <p:spPr>
           <a:xfrm>
-            <a:off x="5152320" y="3044160"/>
-            <a:ext cx="4426560" cy="1568160"/>
+            <a:off x="5152320" y="3043800"/>
+            <a:ext cx="4426560" cy="1567800"/>
           </a:xfrm>
           <a:prstGeom prst="rect">
             <a:avLst/>
@@ -1345,7 +1346,7 @@
         <p:spPr>
           <a:xfrm>
             <a:off x="504000" y="226080"/>
-            <a:ext cx="9071280" cy="946080"/>
+            <a:ext cx="9070920" cy="945720"/>
           </a:xfrm>
           <a:prstGeom prst="rect">
             <a:avLst/>
@@ -1374,7 +1375,7 @@
         <p:spPr>
           <a:xfrm>
             <a:off x="504000" y="1326600"/>
-            <a:ext cx="4426560" cy="1568160"/>
+            <a:ext cx="4426560" cy="1567800"/>
           </a:xfrm>
           <a:prstGeom prst="rect">
             <a:avLst/>
@@ -1404,7 +1405,7 @@
         <p:spPr>
           <a:xfrm>
             <a:off x="5152320" y="1326600"/>
-            <a:ext cx="4426560" cy="1568160"/>
+            <a:ext cx="4426560" cy="1567800"/>
           </a:xfrm>
           <a:prstGeom prst="rect">
             <a:avLst/>
@@ -1433,8 +1434,8 @@
         </p:nvSpPr>
         <p:spPr>
           <a:xfrm>
-            <a:off x="504000" y="3044160"/>
-            <a:ext cx="9071280" cy="1568160"/>
+            <a:off x="504000" y="3043800"/>
+            <a:ext cx="9070920" cy="1567800"/>
           </a:xfrm>
           <a:prstGeom prst="rect">
             <a:avLst/>
@@ -1486,7 +1487,7 @@
         <p:spPr>
           <a:xfrm>
             <a:off x="504000" y="226080"/>
-            <a:ext cx="9071280" cy="946080"/>
+            <a:ext cx="9070920" cy="945720"/>
           </a:xfrm>
           <a:prstGeom prst="rect">
             <a:avLst/>
@@ -1515,7 +1516,7 @@
         <p:spPr>
           <a:xfrm>
             <a:off x="504000" y="1326600"/>
-            <a:ext cx="9071280" cy="1568160"/>
+            <a:ext cx="9070920" cy="1567800"/>
           </a:xfrm>
           <a:prstGeom prst="rect">
             <a:avLst/>
@@ -1544,8 +1545,8 @@
         </p:nvSpPr>
         <p:spPr>
           <a:xfrm>
-            <a:off x="504000" y="3044160"/>
-            <a:ext cx="9071280" cy="1568160"/>
+            <a:off x="504000" y="3043800"/>
+            <a:ext cx="9070920" cy="1567800"/>
           </a:xfrm>
           <a:prstGeom prst="rect">
             <a:avLst/>
@@ -1597,7 +1598,7 @@
         <p:spPr>
           <a:xfrm>
             <a:off x="504000" y="226080"/>
-            <a:ext cx="9071280" cy="946080"/>
+            <a:ext cx="9070920" cy="945720"/>
           </a:xfrm>
           <a:prstGeom prst="rect">
             <a:avLst/>
@@ -1626,7 +1627,7 @@
         <p:spPr>
           <a:xfrm>
             <a:off x="504000" y="1326600"/>
-            <a:ext cx="4426560" cy="1568160"/>
+            <a:ext cx="4426560" cy="1567800"/>
           </a:xfrm>
           <a:prstGeom prst="rect">
             <a:avLst/>
@@ -1656,7 +1657,7 @@
         <p:spPr>
           <a:xfrm>
             <a:off x="5152320" y="1326600"/>
-            <a:ext cx="4426560" cy="1568160"/>
+            <a:ext cx="4426560" cy="1567800"/>
           </a:xfrm>
           <a:prstGeom prst="rect">
             <a:avLst/>
@@ -1685,8 +1686,8 @@
         </p:nvSpPr>
         <p:spPr>
           <a:xfrm>
-            <a:off x="504000" y="3044160"/>
-            <a:ext cx="4426560" cy="1568160"/>
+            <a:off x="504000" y="3043800"/>
+            <a:ext cx="4426560" cy="1567800"/>
           </a:xfrm>
           <a:prstGeom prst="rect">
             <a:avLst/>
@@ -1715,8 +1716,8 @@
         </p:nvSpPr>
         <p:spPr>
           <a:xfrm>
-            <a:off x="5152320" y="3044160"/>
-            <a:ext cx="4426560" cy="1568160"/>
+            <a:off x="5152320" y="3043800"/>
+            <a:ext cx="4426560" cy="1567800"/>
           </a:xfrm>
           <a:prstGeom prst="rect">
             <a:avLst/>
@@ -1768,7 +1769,7 @@
         <p:spPr>
           <a:xfrm>
             <a:off x="504000" y="226080"/>
-            <a:ext cx="9071280" cy="946080"/>
+            <a:ext cx="9070920" cy="945720"/>
           </a:xfrm>
           <a:prstGeom prst="rect">
             <a:avLst/>
@@ -1797,7 +1798,7 @@
         <p:spPr>
           <a:xfrm>
             <a:off x="504000" y="1326600"/>
-            <a:ext cx="2920680" cy="1568160"/>
+            <a:ext cx="2920680" cy="1567800"/>
           </a:xfrm>
           <a:prstGeom prst="rect">
             <a:avLst/>
@@ -1827,7 +1828,7 @@
         <p:spPr>
           <a:xfrm>
             <a:off x="3571200" y="1326600"/>
-            <a:ext cx="2920680" cy="1568160"/>
+            <a:ext cx="2920680" cy="1567800"/>
           </a:xfrm>
           <a:prstGeom prst="rect">
             <a:avLst/>
@@ -1857,7 +1858,7 @@
         <p:spPr>
           <a:xfrm>
             <a:off x="6638040" y="1326600"/>
-            <a:ext cx="2920680" cy="1568160"/>
+            <a:ext cx="2920680" cy="1567800"/>
           </a:xfrm>
           <a:prstGeom prst="rect">
             <a:avLst/>
@@ -1886,8 +1887,8 @@
         </p:nvSpPr>
         <p:spPr>
           <a:xfrm>
-            <a:off x="504000" y="3044160"/>
-            <a:ext cx="2920680" cy="1568160"/>
+            <a:off x="504000" y="3043800"/>
+            <a:ext cx="2920680" cy="1567800"/>
           </a:xfrm>
           <a:prstGeom prst="rect">
             <a:avLst/>
@@ -1916,8 +1917,8 @@
         </p:nvSpPr>
         <p:spPr>
           <a:xfrm>
-            <a:off x="3571200" y="3044160"/>
-            <a:ext cx="2920680" cy="1568160"/>
+            <a:off x="3571200" y="3043800"/>
+            <a:ext cx="2920680" cy="1567800"/>
           </a:xfrm>
           <a:prstGeom prst="rect">
             <a:avLst/>
@@ -1946,19 +1947,364 @@
         </p:nvSpPr>
         <p:spPr>
           <a:xfrm>
-            <a:off x="6638040" y="3044160"/>
-            <a:ext cx="2920680" cy="1568160"/>
-          </a:xfrm>
-          <a:prstGeom prst="rect">
-            <a:avLst/>
-          </a:prstGeom>
-        </p:spPr>
-        <p:txBody>
-          <a:bodyPr lIns="0" rIns="0" tIns="0" bIns="0">
-            <a:normAutofit/>
-          </a:bodyPr>
-          <a:p>
-            <a:endParaRPr b="0" lang="en-US" sz="3200" spc="-1" strike="noStrike">
+            <a:off x="6638040" y="3043800"/>
+            <a:ext cx="2920680" cy="1567800"/>
+          </a:xfrm>
+          <a:prstGeom prst="rect">
+            <a:avLst/>
+          </a:prstGeom>
+        </p:spPr>
+        <p:txBody>
+          <a:bodyPr lIns="0" rIns="0" tIns="0" bIns="0">
+            <a:normAutofit/>
+          </a:bodyPr>
+          <a:p>
+            <a:endParaRPr b="0" lang="en-US" sz="3200" spc="-1" strike="noStrike">
+              <a:latin typeface="Arial"/>
+            </a:endParaRPr>
+          </a:p>
+        </p:txBody>
+      </p:sp>
+    </p:spTree>
+  </p:cSld>
+</p:sldLayout>
+</file>
+
+<file path=ppt/slideLayouts/slideLayout25.xml><?xml version="1.0" encoding="utf-8"?>
+<p:sldLayout xmlns:a="http://schemas.openxmlformats.org/drawingml/2006/main" xmlns:p="http://schemas.openxmlformats.org/presentationml/2006/main" xmlns:r="http://schemas.openxmlformats.org/officeDocument/2006/relationships" xmlns:p14="http://schemas.microsoft.com/office/powerpoint/2010/main" xmlns:p15="http://schemas.microsoft.com/office/powerpoint/2012/main" xmlns:mc="http://schemas.openxmlformats.org/markup-compatibility/2006" type="blank" preserve="1">
+  <p:cSld name="Blank Slide">
+    <p:spTree>
+      <p:nvGrpSpPr>
+        <p:cNvPr id="1" name=""/>
+        <p:cNvGrpSpPr/>
+        <p:nvPr/>
+      </p:nvGrpSpPr>
+      <p:grpSpPr>
+        <a:xfrm>
+          <a:off x="0" y="0"/>
+          <a:ext cx="0" cy="0"/>
+          <a:chOff x="0" y="0"/>
+          <a:chExt cx="0" cy="0"/>
+        </a:xfrm>
+      </p:grpSpPr>
+    </p:spTree>
+  </p:cSld>
+</p:sldLayout>
+</file>
+
+<file path=ppt/slideLayouts/slideLayout26.xml><?xml version="1.0" encoding="utf-8"?>
+<p:sldLayout xmlns:a="http://schemas.openxmlformats.org/drawingml/2006/main" xmlns:p="http://schemas.openxmlformats.org/presentationml/2006/main" xmlns:r="http://schemas.openxmlformats.org/officeDocument/2006/relationships" xmlns:p14="http://schemas.microsoft.com/office/powerpoint/2010/main" xmlns:p15="http://schemas.microsoft.com/office/powerpoint/2012/main" xmlns:mc="http://schemas.openxmlformats.org/markup-compatibility/2006" type="tx" preserve="1">
+  <p:cSld name="Title Slide">
+    <p:spTree>
+      <p:nvGrpSpPr>
+        <p:cNvPr id="1" name=""/>
+        <p:cNvGrpSpPr/>
+        <p:nvPr/>
+      </p:nvGrpSpPr>
+      <p:grpSpPr>
+        <a:xfrm>
+          <a:off x="0" y="0"/>
+          <a:ext cx="0" cy="0"/>
+          <a:chOff x="0" y="0"/>
+          <a:chExt cx="0" cy="0"/>
+        </a:xfrm>
+      </p:grpSpPr>
+      <p:sp>
+        <p:nvSpPr>
+          <p:cNvPr id="78" name="PlaceHolder 1"/>
+          <p:cNvSpPr>
+            <a:spLocks noGrp="1"/>
+          </p:cNvSpPr>
+          <p:nvPr>
+            <p:ph type="title"/>
+          </p:nvPr>
+        </p:nvSpPr>
+        <p:spPr>
+          <a:xfrm>
+            <a:off x="504000" y="226080"/>
+            <a:ext cx="9070920" cy="945720"/>
+          </a:xfrm>
+          <a:prstGeom prst="rect">
+            <a:avLst/>
+          </a:prstGeom>
+        </p:spPr>
+        <p:txBody>
+          <a:bodyPr lIns="0" rIns="0" tIns="0" bIns="0" anchor="ctr"/>
+          <a:p>
+            <a:pPr algn="ctr"/>
+            <a:endParaRPr b="0" lang="en-US" sz="4400" spc="-1" strike="noStrike">
+              <a:latin typeface="Arial"/>
+            </a:endParaRPr>
+          </a:p>
+        </p:txBody>
+      </p:sp>
+      <p:sp>
+        <p:nvSpPr>
+          <p:cNvPr id="79" name="PlaceHolder 2"/>
+          <p:cNvSpPr>
+            <a:spLocks noGrp="1"/>
+          </p:cNvSpPr>
+          <p:nvPr>
+            <p:ph type="subTitle"/>
+          </p:nvPr>
+        </p:nvSpPr>
+        <p:spPr>
+          <a:xfrm>
+            <a:off x="504000" y="1326600"/>
+            <a:ext cx="9070920" cy="3287520"/>
+          </a:xfrm>
+          <a:prstGeom prst="rect">
+            <a:avLst/>
+          </a:prstGeom>
+        </p:spPr>
+        <p:txBody>
+          <a:bodyPr lIns="0" rIns="0" tIns="0" bIns="0" anchor="ctr"/>
+          <a:p>
+            <a:pPr algn="ctr"/>
+            <a:endParaRPr b="0" lang="en-US" sz="3200" spc="-1" strike="noStrike">
+              <a:latin typeface="Arial"/>
+            </a:endParaRPr>
+          </a:p>
+        </p:txBody>
+      </p:sp>
+    </p:spTree>
+  </p:cSld>
+</p:sldLayout>
+</file>
+
+<file path=ppt/slideLayouts/slideLayout27.xml><?xml version="1.0" encoding="utf-8"?>
+<p:sldLayout xmlns:a="http://schemas.openxmlformats.org/drawingml/2006/main" xmlns:p="http://schemas.openxmlformats.org/presentationml/2006/main" xmlns:r="http://schemas.openxmlformats.org/officeDocument/2006/relationships" xmlns:p14="http://schemas.microsoft.com/office/powerpoint/2010/main" xmlns:p15="http://schemas.microsoft.com/office/powerpoint/2012/main" xmlns:mc="http://schemas.openxmlformats.org/markup-compatibility/2006" type="obj" preserve="1">
+  <p:cSld name="Title, Content">
+    <p:spTree>
+      <p:nvGrpSpPr>
+        <p:cNvPr id="1" name=""/>
+        <p:cNvGrpSpPr/>
+        <p:nvPr/>
+      </p:nvGrpSpPr>
+      <p:grpSpPr>
+        <a:xfrm>
+          <a:off x="0" y="0"/>
+          <a:ext cx="0" cy="0"/>
+          <a:chOff x="0" y="0"/>
+          <a:chExt cx="0" cy="0"/>
+        </a:xfrm>
+      </p:grpSpPr>
+      <p:sp>
+        <p:nvSpPr>
+          <p:cNvPr id="80" name="PlaceHolder 1"/>
+          <p:cNvSpPr>
+            <a:spLocks noGrp="1"/>
+          </p:cNvSpPr>
+          <p:nvPr>
+            <p:ph type="title"/>
+          </p:nvPr>
+        </p:nvSpPr>
+        <p:spPr>
+          <a:xfrm>
+            <a:off x="504000" y="226080"/>
+            <a:ext cx="9070920" cy="945720"/>
+          </a:xfrm>
+          <a:prstGeom prst="rect">
+            <a:avLst/>
+          </a:prstGeom>
+        </p:spPr>
+        <p:txBody>
+          <a:bodyPr lIns="0" rIns="0" tIns="0" bIns="0" anchor="ctr"/>
+          <a:p>
+            <a:pPr algn="ctr"/>
+            <a:endParaRPr b="0" lang="en-US" sz="4400" spc="-1" strike="noStrike">
+              <a:latin typeface="Arial"/>
+            </a:endParaRPr>
+          </a:p>
+        </p:txBody>
+      </p:sp>
+      <p:sp>
+        <p:nvSpPr>
+          <p:cNvPr id="81" name="PlaceHolder 2"/>
+          <p:cNvSpPr>
+            <a:spLocks noGrp="1"/>
+          </p:cNvSpPr>
+          <p:nvPr>
+            <p:ph type="body"/>
+          </p:nvPr>
+        </p:nvSpPr>
+        <p:spPr>
+          <a:xfrm>
+            <a:off x="504000" y="1326600"/>
+            <a:ext cx="9070920" cy="3287520"/>
+          </a:xfrm>
+          <a:prstGeom prst="rect">
+            <a:avLst/>
+          </a:prstGeom>
+        </p:spPr>
+        <p:txBody>
+          <a:bodyPr lIns="0" rIns="0" tIns="0" bIns="0">
+            <a:normAutofit/>
+          </a:bodyPr>
+          <a:p>
+            <a:endParaRPr b="0" lang="en-US" sz="3200" spc="-1" strike="noStrike">
+              <a:latin typeface="Arial"/>
+            </a:endParaRPr>
+          </a:p>
+        </p:txBody>
+      </p:sp>
+    </p:spTree>
+  </p:cSld>
+</p:sldLayout>
+</file>
+
+<file path=ppt/slideLayouts/slideLayout28.xml><?xml version="1.0" encoding="utf-8"?>
+<p:sldLayout xmlns:a="http://schemas.openxmlformats.org/drawingml/2006/main" xmlns:p="http://schemas.openxmlformats.org/presentationml/2006/main" xmlns:r="http://schemas.openxmlformats.org/officeDocument/2006/relationships" xmlns:p14="http://schemas.microsoft.com/office/powerpoint/2010/main" xmlns:p15="http://schemas.microsoft.com/office/powerpoint/2012/main" xmlns:mc="http://schemas.openxmlformats.org/markup-compatibility/2006" type="twoObj" preserve="1">
+  <p:cSld name="Title, 2 Content">
+    <p:spTree>
+      <p:nvGrpSpPr>
+        <p:cNvPr id="1" name=""/>
+        <p:cNvGrpSpPr/>
+        <p:nvPr/>
+      </p:nvGrpSpPr>
+      <p:grpSpPr>
+        <a:xfrm>
+          <a:off x="0" y="0"/>
+          <a:ext cx="0" cy="0"/>
+          <a:chOff x="0" y="0"/>
+          <a:chExt cx="0" cy="0"/>
+        </a:xfrm>
+      </p:grpSpPr>
+      <p:sp>
+        <p:nvSpPr>
+          <p:cNvPr id="82" name="PlaceHolder 1"/>
+          <p:cNvSpPr>
+            <a:spLocks noGrp="1"/>
+          </p:cNvSpPr>
+          <p:nvPr>
+            <p:ph type="title"/>
+          </p:nvPr>
+        </p:nvSpPr>
+        <p:spPr>
+          <a:xfrm>
+            <a:off x="504000" y="226080"/>
+            <a:ext cx="9070920" cy="945720"/>
+          </a:xfrm>
+          <a:prstGeom prst="rect">
+            <a:avLst/>
+          </a:prstGeom>
+        </p:spPr>
+        <p:txBody>
+          <a:bodyPr lIns="0" rIns="0" tIns="0" bIns="0" anchor="ctr"/>
+          <a:p>
+            <a:pPr algn="ctr"/>
+            <a:endParaRPr b="0" lang="en-US" sz="4400" spc="-1" strike="noStrike">
+              <a:latin typeface="Arial"/>
+            </a:endParaRPr>
+          </a:p>
+        </p:txBody>
+      </p:sp>
+      <p:sp>
+        <p:nvSpPr>
+          <p:cNvPr id="83" name="PlaceHolder 2"/>
+          <p:cNvSpPr>
+            <a:spLocks noGrp="1"/>
+          </p:cNvSpPr>
+          <p:nvPr>
+            <p:ph type="body"/>
+          </p:nvPr>
+        </p:nvSpPr>
+        <p:spPr>
+          <a:xfrm>
+            <a:off x="504000" y="1326600"/>
+            <a:ext cx="4426560" cy="3287520"/>
+          </a:xfrm>
+          <a:prstGeom prst="rect">
+            <a:avLst/>
+          </a:prstGeom>
+        </p:spPr>
+        <p:txBody>
+          <a:bodyPr lIns="0" rIns="0" tIns="0" bIns="0">
+            <a:normAutofit/>
+          </a:bodyPr>
+          <a:p>
+            <a:endParaRPr b="0" lang="en-US" sz="3200" spc="-1" strike="noStrike">
+              <a:latin typeface="Arial"/>
+            </a:endParaRPr>
+          </a:p>
+        </p:txBody>
+      </p:sp>
+      <p:sp>
+        <p:nvSpPr>
+          <p:cNvPr id="84" name="PlaceHolder 3"/>
+          <p:cNvSpPr>
+            <a:spLocks noGrp="1"/>
+          </p:cNvSpPr>
+          <p:nvPr>
+            <p:ph type="body"/>
+          </p:nvPr>
+        </p:nvSpPr>
+        <p:spPr>
+          <a:xfrm>
+            <a:off x="5152320" y="1326600"/>
+            <a:ext cx="4426560" cy="3287520"/>
+          </a:xfrm>
+          <a:prstGeom prst="rect">
+            <a:avLst/>
+          </a:prstGeom>
+        </p:spPr>
+        <p:txBody>
+          <a:bodyPr lIns="0" rIns="0" tIns="0" bIns="0">
+            <a:normAutofit/>
+          </a:bodyPr>
+          <a:p>
+            <a:endParaRPr b="0" lang="en-US" sz="3200" spc="-1" strike="noStrike">
+              <a:latin typeface="Arial"/>
+            </a:endParaRPr>
+          </a:p>
+        </p:txBody>
+      </p:sp>
+    </p:spTree>
+  </p:cSld>
+</p:sldLayout>
+</file>
+
+<file path=ppt/slideLayouts/slideLayout29.xml><?xml version="1.0" encoding="utf-8"?>
+<p:sldLayout xmlns:a="http://schemas.openxmlformats.org/drawingml/2006/main" xmlns:p="http://schemas.openxmlformats.org/presentationml/2006/main" xmlns:r="http://schemas.openxmlformats.org/officeDocument/2006/relationships" xmlns:p14="http://schemas.microsoft.com/office/powerpoint/2010/main" xmlns:p15="http://schemas.microsoft.com/office/powerpoint/2012/main" xmlns:mc="http://schemas.openxmlformats.org/markup-compatibility/2006" type="titleOnly" preserve="1">
+  <p:cSld name="Title Only">
+    <p:spTree>
+      <p:nvGrpSpPr>
+        <p:cNvPr id="1" name=""/>
+        <p:cNvGrpSpPr/>
+        <p:nvPr/>
+      </p:nvGrpSpPr>
+      <p:grpSpPr>
+        <a:xfrm>
+          <a:off x="0" y="0"/>
+          <a:ext cx="0" cy="0"/>
+          <a:chOff x="0" y="0"/>
+          <a:chExt cx="0" cy="0"/>
+        </a:xfrm>
+      </p:grpSpPr>
+      <p:sp>
+        <p:nvSpPr>
+          <p:cNvPr id="85" name="PlaceHolder 1"/>
+          <p:cNvSpPr>
+            <a:spLocks noGrp="1"/>
+          </p:cNvSpPr>
+          <p:nvPr>
+            <p:ph type="title"/>
+          </p:nvPr>
+        </p:nvSpPr>
+        <p:spPr>
+          <a:xfrm>
+            <a:off x="504000" y="226080"/>
+            <a:ext cx="9070920" cy="945720"/>
+          </a:xfrm>
+          <a:prstGeom prst="rect">
+            <a:avLst/>
+          </a:prstGeom>
+        </p:spPr>
+        <p:txBody>
+          <a:bodyPr lIns="0" rIns="0" tIns="0" bIns="0" anchor="ctr"/>
+          <a:p>
+            <a:pPr algn="ctr"/>
+            <a:endParaRPr b="0" lang="en-US" sz="4400" spc="-1" strike="noStrike">
               <a:latin typeface="Arial"/>
             </a:endParaRPr>
           </a:p>
@@ -1999,7 +2345,7 @@
         <p:spPr>
           <a:xfrm>
             <a:off x="504000" y="226080"/>
-            <a:ext cx="9071280" cy="946080"/>
+            <a:ext cx="9070920" cy="945720"/>
           </a:xfrm>
           <a:prstGeom prst="rect">
             <a:avLst/>
@@ -2028,7 +2374,994 @@
         <p:spPr>
           <a:xfrm>
             <a:off x="504000" y="1326600"/>
-            <a:ext cx="9071280" cy="3287880"/>
+            <a:ext cx="9070920" cy="3287520"/>
+          </a:xfrm>
+          <a:prstGeom prst="rect">
+            <a:avLst/>
+          </a:prstGeom>
+        </p:spPr>
+        <p:txBody>
+          <a:bodyPr lIns="0" rIns="0" tIns="0" bIns="0">
+            <a:normAutofit/>
+          </a:bodyPr>
+          <a:p>
+            <a:endParaRPr b="0" lang="en-US" sz="3200" spc="-1" strike="noStrike">
+              <a:latin typeface="Arial"/>
+            </a:endParaRPr>
+          </a:p>
+        </p:txBody>
+      </p:sp>
+    </p:spTree>
+  </p:cSld>
+</p:sldLayout>
+</file>
+
+<file path=ppt/slideLayouts/slideLayout30.xml><?xml version="1.0" encoding="utf-8"?>
+<p:sldLayout xmlns:a="http://schemas.openxmlformats.org/drawingml/2006/main" xmlns:p="http://schemas.openxmlformats.org/presentationml/2006/main" xmlns:r="http://schemas.openxmlformats.org/officeDocument/2006/relationships" xmlns:p14="http://schemas.microsoft.com/office/powerpoint/2010/main" xmlns:p15="http://schemas.microsoft.com/office/powerpoint/2012/main" xmlns:mc="http://schemas.openxmlformats.org/markup-compatibility/2006" type="objOnly" preserve="1">
+  <p:cSld name="Centered Text">
+    <p:spTree>
+      <p:nvGrpSpPr>
+        <p:cNvPr id="1" name=""/>
+        <p:cNvGrpSpPr/>
+        <p:nvPr/>
+      </p:nvGrpSpPr>
+      <p:grpSpPr>
+        <a:xfrm>
+          <a:off x="0" y="0"/>
+          <a:ext cx="0" cy="0"/>
+          <a:chOff x="0" y="0"/>
+          <a:chExt cx="0" cy="0"/>
+        </a:xfrm>
+      </p:grpSpPr>
+      <p:sp>
+        <p:nvSpPr>
+          <p:cNvPr id="86" name="PlaceHolder 1"/>
+          <p:cNvSpPr>
+            <a:spLocks noGrp="1"/>
+          </p:cNvSpPr>
+          <p:nvPr>
+            <p:ph type="subTitle"/>
+          </p:nvPr>
+        </p:nvSpPr>
+        <p:spPr>
+          <a:xfrm>
+            <a:off x="504000" y="226080"/>
+            <a:ext cx="9070920" cy="4385160"/>
+          </a:xfrm>
+          <a:prstGeom prst="rect">
+            <a:avLst/>
+          </a:prstGeom>
+        </p:spPr>
+        <p:txBody>
+          <a:bodyPr lIns="0" rIns="0" tIns="0" bIns="0" anchor="ctr"/>
+          <a:p>
+            <a:pPr algn="ctr"/>
+            <a:endParaRPr b="0" lang="en-US" sz="3200" spc="-1" strike="noStrike">
+              <a:latin typeface="Arial"/>
+            </a:endParaRPr>
+          </a:p>
+        </p:txBody>
+      </p:sp>
+    </p:spTree>
+  </p:cSld>
+</p:sldLayout>
+</file>
+
+<file path=ppt/slideLayouts/slideLayout31.xml><?xml version="1.0" encoding="utf-8"?>
+<p:sldLayout xmlns:a="http://schemas.openxmlformats.org/drawingml/2006/main" xmlns:p="http://schemas.openxmlformats.org/presentationml/2006/main" xmlns:r="http://schemas.openxmlformats.org/officeDocument/2006/relationships" xmlns:p14="http://schemas.microsoft.com/office/powerpoint/2010/main" xmlns:p15="http://schemas.microsoft.com/office/powerpoint/2012/main" xmlns:mc="http://schemas.openxmlformats.org/markup-compatibility/2006" type="twoObjAndObj" preserve="1">
+  <p:cSld name="Title, 2 Content and Content">
+    <p:spTree>
+      <p:nvGrpSpPr>
+        <p:cNvPr id="1" name=""/>
+        <p:cNvGrpSpPr/>
+        <p:nvPr/>
+      </p:nvGrpSpPr>
+      <p:grpSpPr>
+        <a:xfrm>
+          <a:off x="0" y="0"/>
+          <a:ext cx="0" cy="0"/>
+          <a:chOff x="0" y="0"/>
+          <a:chExt cx="0" cy="0"/>
+        </a:xfrm>
+      </p:grpSpPr>
+      <p:sp>
+        <p:nvSpPr>
+          <p:cNvPr id="87" name="PlaceHolder 1"/>
+          <p:cNvSpPr>
+            <a:spLocks noGrp="1"/>
+          </p:cNvSpPr>
+          <p:nvPr>
+            <p:ph type="title"/>
+          </p:nvPr>
+        </p:nvSpPr>
+        <p:spPr>
+          <a:xfrm>
+            <a:off x="504000" y="226080"/>
+            <a:ext cx="9070920" cy="945720"/>
+          </a:xfrm>
+          <a:prstGeom prst="rect">
+            <a:avLst/>
+          </a:prstGeom>
+        </p:spPr>
+        <p:txBody>
+          <a:bodyPr lIns="0" rIns="0" tIns="0" bIns="0" anchor="ctr"/>
+          <a:p>
+            <a:pPr algn="ctr"/>
+            <a:endParaRPr b="0" lang="en-US" sz="4400" spc="-1" strike="noStrike">
+              <a:latin typeface="Arial"/>
+            </a:endParaRPr>
+          </a:p>
+        </p:txBody>
+      </p:sp>
+      <p:sp>
+        <p:nvSpPr>
+          <p:cNvPr id="88" name="PlaceHolder 2"/>
+          <p:cNvSpPr>
+            <a:spLocks noGrp="1"/>
+          </p:cNvSpPr>
+          <p:nvPr>
+            <p:ph type="body"/>
+          </p:nvPr>
+        </p:nvSpPr>
+        <p:spPr>
+          <a:xfrm>
+            <a:off x="504000" y="1326600"/>
+            <a:ext cx="4426560" cy="1567800"/>
+          </a:xfrm>
+          <a:prstGeom prst="rect">
+            <a:avLst/>
+          </a:prstGeom>
+        </p:spPr>
+        <p:txBody>
+          <a:bodyPr lIns="0" rIns="0" tIns="0" bIns="0">
+            <a:normAutofit/>
+          </a:bodyPr>
+          <a:p>
+            <a:endParaRPr b="0" lang="en-US" sz="3200" spc="-1" strike="noStrike">
+              <a:latin typeface="Arial"/>
+            </a:endParaRPr>
+          </a:p>
+        </p:txBody>
+      </p:sp>
+      <p:sp>
+        <p:nvSpPr>
+          <p:cNvPr id="89" name="PlaceHolder 3"/>
+          <p:cNvSpPr>
+            <a:spLocks noGrp="1"/>
+          </p:cNvSpPr>
+          <p:nvPr>
+            <p:ph type="body"/>
+          </p:nvPr>
+        </p:nvSpPr>
+        <p:spPr>
+          <a:xfrm>
+            <a:off x="5152320" y="1326600"/>
+            <a:ext cx="4426560" cy="3287520"/>
+          </a:xfrm>
+          <a:prstGeom prst="rect">
+            <a:avLst/>
+          </a:prstGeom>
+        </p:spPr>
+        <p:txBody>
+          <a:bodyPr lIns="0" rIns="0" tIns="0" bIns="0">
+            <a:normAutofit/>
+          </a:bodyPr>
+          <a:p>
+            <a:endParaRPr b="0" lang="en-US" sz="3200" spc="-1" strike="noStrike">
+              <a:latin typeface="Arial"/>
+            </a:endParaRPr>
+          </a:p>
+        </p:txBody>
+      </p:sp>
+      <p:sp>
+        <p:nvSpPr>
+          <p:cNvPr id="90" name="PlaceHolder 4"/>
+          <p:cNvSpPr>
+            <a:spLocks noGrp="1"/>
+          </p:cNvSpPr>
+          <p:nvPr>
+            <p:ph type="body"/>
+          </p:nvPr>
+        </p:nvSpPr>
+        <p:spPr>
+          <a:xfrm>
+            <a:off x="504000" y="3043800"/>
+            <a:ext cx="4426560" cy="1567800"/>
+          </a:xfrm>
+          <a:prstGeom prst="rect">
+            <a:avLst/>
+          </a:prstGeom>
+        </p:spPr>
+        <p:txBody>
+          <a:bodyPr lIns="0" rIns="0" tIns="0" bIns="0">
+            <a:normAutofit/>
+          </a:bodyPr>
+          <a:p>
+            <a:endParaRPr b="0" lang="en-US" sz="3200" spc="-1" strike="noStrike">
+              <a:latin typeface="Arial"/>
+            </a:endParaRPr>
+          </a:p>
+        </p:txBody>
+      </p:sp>
+    </p:spTree>
+  </p:cSld>
+</p:sldLayout>
+</file>
+
+<file path=ppt/slideLayouts/slideLayout32.xml><?xml version="1.0" encoding="utf-8"?>
+<p:sldLayout xmlns:a="http://schemas.openxmlformats.org/drawingml/2006/main" xmlns:p="http://schemas.openxmlformats.org/presentationml/2006/main" xmlns:r="http://schemas.openxmlformats.org/officeDocument/2006/relationships" xmlns:p14="http://schemas.microsoft.com/office/powerpoint/2010/main" xmlns:p15="http://schemas.microsoft.com/office/powerpoint/2012/main" xmlns:mc="http://schemas.openxmlformats.org/markup-compatibility/2006" type="objAndTwoObj" preserve="1">
+  <p:cSld name="Title Content and 2 Content">
+    <p:spTree>
+      <p:nvGrpSpPr>
+        <p:cNvPr id="1" name=""/>
+        <p:cNvGrpSpPr/>
+        <p:nvPr/>
+      </p:nvGrpSpPr>
+      <p:grpSpPr>
+        <a:xfrm>
+          <a:off x="0" y="0"/>
+          <a:ext cx="0" cy="0"/>
+          <a:chOff x="0" y="0"/>
+          <a:chExt cx="0" cy="0"/>
+        </a:xfrm>
+      </p:grpSpPr>
+      <p:sp>
+        <p:nvSpPr>
+          <p:cNvPr id="91" name="PlaceHolder 1"/>
+          <p:cNvSpPr>
+            <a:spLocks noGrp="1"/>
+          </p:cNvSpPr>
+          <p:nvPr>
+            <p:ph type="title"/>
+          </p:nvPr>
+        </p:nvSpPr>
+        <p:spPr>
+          <a:xfrm>
+            <a:off x="504000" y="226080"/>
+            <a:ext cx="9070920" cy="945720"/>
+          </a:xfrm>
+          <a:prstGeom prst="rect">
+            <a:avLst/>
+          </a:prstGeom>
+        </p:spPr>
+        <p:txBody>
+          <a:bodyPr lIns="0" rIns="0" tIns="0" bIns="0" anchor="ctr"/>
+          <a:p>
+            <a:pPr algn="ctr"/>
+            <a:endParaRPr b="0" lang="en-US" sz="4400" spc="-1" strike="noStrike">
+              <a:latin typeface="Arial"/>
+            </a:endParaRPr>
+          </a:p>
+        </p:txBody>
+      </p:sp>
+      <p:sp>
+        <p:nvSpPr>
+          <p:cNvPr id="92" name="PlaceHolder 2"/>
+          <p:cNvSpPr>
+            <a:spLocks noGrp="1"/>
+          </p:cNvSpPr>
+          <p:nvPr>
+            <p:ph type="body"/>
+          </p:nvPr>
+        </p:nvSpPr>
+        <p:spPr>
+          <a:xfrm>
+            <a:off x="504000" y="1326600"/>
+            <a:ext cx="4426560" cy="3287520"/>
+          </a:xfrm>
+          <a:prstGeom prst="rect">
+            <a:avLst/>
+          </a:prstGeom>
+        </p:spPr>
+        <p:txBody>
+          <a:bodyPr lIns="0" rIns="0" tIns="0" bIns="0">
+            <a:normAutofit/>
+          </a:bodyPr>
+          <a:p>
+            <a:endParaRPr b="0" lang="en-US" sz="3200" spc="-1" strike="noStrike">
+              <a:latin typeface="Arial"/>
+            </a:endParaRPr>
+          </a:p>
+        </p:txBody>
+      </p:sp>
+      <p:sp>
+        <p:nvSpPr>
+          <p:cNvPr id="93" name="PlaceHolder 3"/>
+          <p:cNvSpPr>
+            <a:spLocks noGrp="1"/>
+          </p:cNvSpPr>
+          <p:nvPr>
+            <p:ph type="body"/>
+          </p:nvPr>
+        </p:nvSpPr>
+        <p:spPr>
+          <a:xfrm>
+            <a:off x="5152320" y="1326600"/>
+            <a:ext cx="4426560" cy="1567800"/>
+          </a:xfrm>
+          <a:prstGeom prst="rect">
+            <a:avLst/>
+          </a:prstGeom>
+        </p:spPr>
+        <p:txBody>
+          <a:bodyPr lIns="0" rIns="0" tIns="0" bIns="0">
+            <a:normAutofit/>
+          </a:bodyPr>
+          <a:p>
+            <a:endParaRPr b="0" lang="en-US" sz="3200" spc="-1" strike="noStrike">
+              <a:latin typeface="Arial"/>
+            </a:endParaRPr>
+          </a:p>
+        </p:txBody>
+      </p:sp>
+      <p:sp>
+        <p:nvSpPr>
+          <p:cNvPr id="94" name="PlaceHolder 4"/>
+          <p:cNvSpPr>
+            <a:spLocks noGrp="1"/>
+          </p:cNvSpPr>
+          <p:nvPr>
+            <p:ph type="body"/>
+          </p:nvPr>
+        </p:nvSpPr>
+        <p:spPr>
+          <a:xfrm>
+            <a:off x="5152320" y="3043800"/>
+            <a:ext cx="4426560" cy="1567800"/>
+          </a:xfrm>
+          <a:prstGeom prst="rect">
+            <a:avLst/>
+          </a:prstGeom>
+        </p:spPr>
+        <p:txBody>
+          <a:bodyPr lIns="0" rIns="0" tIns="0" bIns="0">
+            <a:normAutofit/>
+          </a:bodyPr>
+          <a:p>
+            <a:endParaRPr b="0" lang="en-US" sz="3200" spc="-1" strike="noStrike">
+              <a:latin typeface="Arial"/>
+            </a:endParaRPr>
+          </a:p>
+        </p:txBody>
+      </p:sp>
+    </p:spTree>
+  </p:cSld>
+</p:sldLayout>
+</file>
+
+<file path=ppt/slideLayouts/slideLayout33.xml><?xml version="1.0" encoding="utf-8"?>
+<p:sldLayout xmlns:a="http://schemas.openxmlformats.org/drawingml/2006/main" xmlns:p="http://schemas.openxmlformats.org/presentationml/2006/main" xmlns:r="http://schemas.openxmlformats.org/officeDocument/2006/relationships" xmlns:p14="http://schemas.microsoft.com/office/powerpoint/2010/main" xmlns:p15="http://schemas.microsoft.com/office/powerpoint/2012/main" xmlns:mc="http://schemas.openxmlformats.org/markup-compatibility/2006" type="twoObjOverTx" preserve="1">
+  <p:cSld name="Title, 2 Content over Content">
+    <p:spTree>
+      <p:nvGrpSpPr>
+        <p:cNvPr id="1" name=""/>
+        <p:cNvGrpSpPr/>
+        <p:nvPr/>
+      </p:nvGrpSpPr>
+      <p:grpSpPr>
+        <a:xfrm>
+          <a:off x="0" y="0"/>
+          <a:ext cx="0" cy="0"/>
+          <a:chOff x="0" y="0"/>
+          <a:chExt cx="0" cy="0"/>
+        </a:xfrm>
+      </p:grpSpPr>
+      <p:sp>
+        <p:nvSpPr>
+          <p:cNvPr id="95" name="PlaceHolder 1"/>
+          <p:cNvSpPr>
+            <a:spLocks noGrp="1"/>
+          </p:cNvSpPr>
+          <p:nvPr>
+            <p:ph type="title"/>
+          </p:nvPr>
+        </p:nvSpPr>
+        <p:spPr>
+          <a:xfrm>
+            <a:off x="504000" y="226080"/>
+            <a:ext cx="9070920" cy="945720"/>
+          </a:xfrm>
+          <a:prstGeom prst="rect">
+            <a:avLst/>
+          </a:prstGeom>
+        </p:spPr>
+        <p:txBody>
+          <a:bodyPr lIns="0" rIns="0" tIns="0" bIns="0" anchor="ctr"/>
+          <a:p>
+            <a:pPr algn="ctr"/>
+            <a:endParaRPr b="0" lang="en-US" sz="4400" spc="-1" strike="noStrike">
+              <a:latin typeface="Arial"/>
+            </a:endParaRPr>
+          </a:p>
+        </p:txBody>
+      </p:sp>
+      <p:sp>
+        <p:nvSpPr>
+          <p:cNvPr id="96" name="PlaceHolder 2"/>
+          <p:cNvSpPr>
+            <a:spLocks noGrp="1"/>
+          </p:cNvSpPr>
+          <p:nvPr>
+            <p:ph type="body"/>
+          </p:nvPr>
+        </p:nvSpPr>
+        <p:spPr>
+          <a:xfrm>
+            <a:off x="504000" y="1326600"/>
+            <a:ext cx="4426560" cy="1567800"/>
+          </a:xfrm>
+          <a:prstGeom prst="rect">
+            <a:avLst/>
+          </a:prstGeom>
+        </p:spPr>
+        <p:txBody>
+          <a:bodyPr lIns="0" rIns="0" tIns="0" bIns="0">
+            <a:normAutofit/>
+          </a:bodyPr>
+          <a:p>
+            <a:endParaRPr b="0" lang="en-US" sz="3200" spc="-1" strike="noStrike">
+              <a:latin typeface="Arial"/>
+            </a:endParaRPr>
+          </a:p>
+        </p:txBody>
+      </p:sp>
+      <p:sp>
+        <p:nvSpPr>
+          <p:cNvPr id="97" name="PlaceHolder 3"/>
+          <p:cNvSpPr>
+            <a:spLocks noGrp="1"/>
+          </p:cNvSpPr>
+          <p:nvPr>
+            <p:ph type="body"/>
+          </p:nvPr>
+        </p:nvSpPr>
+        <p:spPr>
+          <a:xfrm>
+            <a:off x="5152320" y="1326600"/>
+            <a:ext cx="4426560" cy="1567800"/>
+          </a:xfrm>
+          <a:prstGeom prst="rect">
+            <a:avLst/>
+          </a:prstGeom>
+        </p:spPr>
+        <p:txBody>
+          <a:bodyPr lIns="0" rIns="0" tIns="0" bIns="0">
+            <a:normAutofit/>
+          </a:bodyPr>
+          <a:p>
+            <a:endParaRPr b="0" lang="en-US" sz="3200" spc="-1" strike="noStrike">
+              <a:latin typeface="Arial"/>
+            </a:endParaRPr>
+          </a:p>
+        </p:txBody>
+      </p:sp>
+      <p:sp>
+        <p:nvSpPr>
+          <p:cNvPr id="98" name="PlaceHolder 4"/>
+          <p:cNvSpPr>
+            <a:spLocks noGrp="1"/>
+          </p:cNvSpPr>
+          <p:nvPr>
+            <p:ph type="body"/>
+          </p:nvPr>
+        </p:nvSpPr>
+        <p:spPr>
+          <a:xfrm>
+            <a:off x="504000" y="3043800"/>
+            <a:ext cx="9070920" cy="1567800"/>
+          </a:xfrm>
+          <a:prstGeom prst="rect">
+            <a:avLst/>
+          </a:prstGeom>
+        </p:spPr>
+        <p:txBody>
+          <a:bodyPr lIns="0" rIns="0" tIns="0" bIns="0">
+            <a:normAutofit/>
+          </a:bodyPr>
+          <a:p>
+            <a:endParaRPr b="0" lang="en-US" sz="3200" spc="-1" strike="noStrike">
+              <a:latin typeface="Arial"/>
+            </a:endParaRPr>
+          </a:p>
+        </p:txBody>
+      </p:sp>
+    </p:spTree>
+  </p:cSld>
+</p:sldLayout>
+</file>
+
+<file path=ppt/slideLayouts/slideLayout34.xml><?xml version="1.0" encoding="utf-8"?>
+<p:sldLayout xmlns:a="http://schemas.openxmlformats.org/drawingml/2006/main" xmlns:p="http://schemas.openxmlformats.org/presentationml/2006/main" xmlns:r="http://schemas.openxmlformats.org/officeDocument/2006/relationships" xmlns:p14="http://schemas.microsoft.com/office/powerpoint/2010/main" xmlns:p15="http://schemas.microsoft.com/office/powerpoint/2012/main" xmlns:mc="http://schemas.openxmlformats.org/markup-compatibility/2006" type="objOverTx" preserve="1">
+  <p:cSld name="Title, Content over Content">
+    <p:spTree>
+      <p:nvGrpSpPr>
+        <p:cNvPr id="1" name=""/>
+        <p:cNvGrpSpPr/>
+        <p:nvPr/>
+      </p:nvGrpSpPr>
+      <p:grpSpPr>
+        <a:xfrm>
+          <a:off x="0" y="0"/>
+          <a:ext cx="0" cy="0"/>
+          <a:chOff x="0" y="0"/>
+          <a:chExt cx="0" cy="0"/>
+        </a:xfrm>
+      </p:grpSpPr>
+      <p:sp>
+        <p:nvSpPr>
+          <p:cNvPr id="99" name="PlaceHolder 1"/>
+          <p:cNvSpPr>
+            <a:spLocks noGrp="1"/>
+          </p:cNvSpPr>
+          <p:nvPr>
+            <p:ph type="title"/>
+          </p:nvPr>
+        </p:nvSpPr>
+        <p:spPr>
+          <a:xfrm>
+            <a:off x="504000" y="226080"/>
+            <a:ext cx="9070920" cy="945720"/>
+          </a:xfrm>
+          <a:prstGeom prst="rect">
+            <a:avLst/>
+          </a:prstGeom>
+        </p:spPr>
+        <p:txBody>
+          <a:bodyPr lIns="0" rIns="0" tIns="0" bIns="0" anchor="ctr"/>
+          <a:p>
+            <a:pPr algn="ctr"/>
+            <a:endParaRPr b="0" lang="en-US" sz="4400" spc="-1" strike="noStrike">
+              <a:latin typeface="Arial"/>
+            </a:endParaRPr>
+          </a:p>
+        </p:txBody>
+      </p:sp>
+      <p:sp>
+        <p:nvSpPr>
+          <p:cNvPr id="100" name="PlaceHolder 2"/>
+          <p:cNvSpPr>
+            <a:spLocks noGrp="1"/>
+          </p:cNvSpPr>
+          <p:nvPr>
+            <p:ph type="body"/>
+          </p:nvPr>
+        </p:nvSpPr>
+        <p:spPr>
+          <a:xfrm>
+            <a:off x="504000" y="1326600"/>
+            <a:ext cx="9070920" cy="1567800"/>
+          </a:xfrm>
+          <a:prstGeom prst="rect">
+            <a:avLst/>
+          </a:prstGeom>
+        </p:spPr>
+        <p:txBody>
+          <a:bodyPr lIns="0" rIns="0" tIns="0" bIns="0">
+            <a:normAutofit/>
+          </a:bodyPr>
+          <a:p>
+            <a:endParaRPr b="0" lang="en-US" sz="3200" spc="-1" strike="noStrike">
+              <a:latin typeface="Arial"/>
+            </a:endParaRPr>
+          </a:p>
+        </p:txBody>
+      </p:sp>
+      <p:sp>
+        <p:nvSpPr>
+          <p:cNvPr id="101" name="PlaceHolder 3"/>
+          <p:cNvSpPr>
+            <a:spLocks noGrp="1"/>
+          </p:cNvSpPr>
+          <p:nvPr>
+            <p:ph type="body"/>
+          </p:nvPr>
+        </p:nvSpPr>
+        <p:spPr>
+          <a:xfrm>
+            <a:off x="504000" y="3043800"/>
+            <a:ext cx="9070920" cy="1567800"/>
+          </a:xfrm>
+          <a:prstGeom prst="rect">
+            <a:avLst/>
+          </a:prstGeom>
+        </p:spPr>
+        <p:txBody>
+          <a:bodyPr lIns="0" rIns="0" tIns="0" bIns="0">
+            <a:normAutofit/>
+          </a:bodyPr>
+          <a:p>
+            <a:endParaRPr b="0" lang="en-US" sz="3200" spc="-1" strike="noStrike">
+              <a:latin typeface="Arial"/>
+            </a:endParaRPr>
+          </a:p>
+        </p:txBody>
+      </p:sp>
+    </p:spTree>
+  </p:cSld>
+</p:sldLayout>
+</file>
+
+<file path=ppt/slideLayouts/slideLayout35.xml><?xml version="1.0" encoding="utf-8"?>
+<p:sldLayout xmlns:a="http://schemas.openxmlformats.org/drawingml/2006/main" xmlns:p="http://schemas.openxmlformats.org/presentationml/2006/main" xmlns:r="http://schemas.openxmlformats.org/officeDocument/2006/relationships" xmlns:p14="http://schemas.microsoft.com/office/powerpoint/2010/main" xmlns:p15="http://schemas.microsoft.com/office/powerpoint/2012/main" xmlns:mc="http://schemas.openxmlformats.org/markup-compatibility/2006" type="fourObj" preserve="1">
+  <p:cSld name="Title, 4 Content">
+    <p:spTree>
+      <p:nvGrpSpPr>
+        <p:cNvPr id="1" name=""/>
+        <p:cNvGrpSpPr/>
+        <p:nvPr/>
+      </p:nvGrpSpPr>
+      <p:grpSpPr>
+        <a:xfrm>
+          <a:off x="0" y="0"/>
+          <a:ext cx="0" cy="0"/>
+          <a:chOff x="0" y="0"/>
+          <a:chExt cx="0" cy="0"/>
+        </a:xfrm>
+      </p:grpSpPr>
+      <p:sp>
+        <p:nvSpPr>
+          <p:cNvPr id="102" name="PlaceHolder 1"/>
+          <p:cNvSpPr>
+            <a:spLocks noGrp="1"/>
+          </p:cNvSpPr>
+          <p:nvPr>
+            <p:ph type="title"/>
+          </p:nvPr>
+        </p:nvSpPr>
+        <p:spPr>
+          <a:xfrm>
+            <a:off x="504000" y="226080"/>
+            <a:ext cx="9070920" cy="945720"/>
+          </a:xfrm>
+          <a:prstGeom prst="rect">
+            <a:avLst/>
+          </a:prstGeom>
+        </p:spPr>
+        <p:txBody>
+          <a:bodyPr lIns="0" rIns="0" tIns="0" bIns="0" anchor="ctr"/>
+          <a:p>
+            <a:pPr algn="ctr"/>
+            <a:endParaRPr b="0" lang="en-US" sz="4400" spc="-1" strike="noStrike">
+              <a:latin typeface="Arial"/>
+            </a:endParaRPr>
+          </a:p>
+        </p:txBody>
+      </p:sp>
+      <p:sp>
+        <p:nvSpPr>
+          <p:cNvPr id="103" name="PlaceHolder 2"/>
+          <p:cNvSpPr>
+            <a:spLocks noGrp="1"/>
+          </p:cNvSpPr>
+          <p:nvPr>
+            <p:ph type="body"/>
+          </p:nvPr>
+        </p:nvSpPr>
+        <p:spPr>
+          <a:xfrm>
+            <a:off x="504000" y="1326600"/>
+            <a:ext cx="4426560" cy="1567800"/>
+          </a:xfrm>
+          <a:prstGeom prst="rect">
+            <a:avLst/>
+          </a:prstGeom>
+        </p:spPr>
+        <p:txBody>
+          <a:bodyPr lIns="0" rIns="0" tIns="0" bIns="0">
+            <a:normAutofit/>
+          </a:bodyPr>
+          <a:p>
+            <a:endParaRPr b="0" lang="en-US" sz="3200" spc="-1" strike="noStrike">
+              <a:latin typeface="Arial"/>
+            </a:endParaRPr>
+          </a:p>
+        </p:txBody>
+      </p:sp>
+      <p:sp>
+        <p:nvSpPr>
+          <p:cNvPr id="104" name="PlaceHolder 3"/>
+          <p:cNvSpPr>
+            <a:spLocks noGrp="1"/>
+          </p:cNvSpPr>
+          <p:nvPr>
+            <p:ph type="body"/>
+          </p:nvPr>
+        </p:nvSpPr>
+        <p:spPr>
+          <a:xfrm>
+            <a:off x="5152320" y="1326600"/>
+            <a:ext cx="4426560" cy="1567800"/>
+          </a:xfrm>
+          <a:prstGeom prst="rect">
+            <a:avLst/>
+          </a:prstGeom>
+        </p:spPr>
+        <p:txBody>
+          <a:bodyPr lIns="0" rIns="0" tIns="0" bIns="0">
+            <a:normAutofit/>
+          </a:bodyPr>
+          <a:p>
+            <a:endParaRPr b="0" lang="en-US" sz="3200" spc="-1" strike="noStrike">
+              <a:latin typeface="Arial"/>
+            </a:endParaRPr>
+          </a:p>
+        </p:txBody>
+      </p:sp>
+      <p:sp>
+        <p:nvSpPr>
+          <p:cNvPr id="105" name="PlaceHolder 4"/>
+          <p:cNvSpPr>
+            <a:spLocks noGrp="1"/>
+          </p:cNvSpPr>
+          <p:nvPr>
+            <p:ph type="body"/>
+          </p:nvPr>
+        </p:nvSpPr>
+        <p:spPr>
+          <a:xfrm>
+            <a:off x="504000" y="3043800"/>
+            <a:ext cx="4426560" cy="1567800"/>
+          </a:xfrm>
+          <a:prstGeom prst="rect">
+            <a:avLst/>
+          </a:prstGeom>
+        </p:spPr>
+        <p:txBody>
+          <a:bodyPr lIns="0" rIns="0" tIns="0" bIns="0">
+            <a:normAutofit/>
+          </a:bodyPr>
+          <a:p>
+            <a:endParaRPr b="0" lang="en-US" sz="3200" spc="-1" strike="noStrike">
+              <a:latin typeface="Arial"/>
+            </a:endParaRPr>
+          </a:p>
+        </p:txBody>
+      </p:sp>
+      <p:sp>
+        <p:nvSpPr>
+          <p:cNvPr id="106" name="PlaceHolder 5"/>
+          <p:cNvSpPr>
+            <a:spLocks noGrp="1"/>
+          </p:cNvSpPr>
+          <p:nvPr>
+            <p:ph type="body"/>
+          </p:nvPr>
+        </p:nvSpPr>
+        <p:spPr>
+          <a:xfrm>
+            <a:off x="5152320" y="3043800"/>
+            <a:ext cx="4426560" cy="1567800"/>
+          </a:xfrm>
+          <a:prstGeom prst="rect">
+            <a:avLst/>
+          </a:prstGeom>
+        </p:spPr>
+        <p:txBody>
+          <a:bodyPr lIns="0" rIns="0" tIns="0" bIns="0">
+            <a:normAutofit/>
+          </a:bodyPr>
+          <a:p>
+            <a:endParaRPr b="0" lang="en-US" sz="3200" spc="-1" strike="noStrike">
+              <a:latin typeface="Arial"/>
+            </a:endParaRPr>
+          </a:p>
+        </p:txBody>
+      </p:sp>
+    </p:spTree>
+  </p:cSld>
+</p:sldLayout>
+</file>
+
+<file path=ppt/slideLayouts/slideLayout36.xml><?xml version="1.0" encoding="utf-8"?>
+<p:sldLayout xmlns:a="http://schemas.openxmlformats.org/drawingml/2006/main" xmlns:p="http://schemas.openxmlformats.org/presentationml/2006/main" xmlns:r="http://schemas.openxmlformats.org/officeDocument/2006/relationships" xmlns:p14="http://schemas.microsoft.com/office/powerpoint/2010/main" xmlns:p15="http://schemas.microsoft.com/office/powerpoint/2012/main" xmlns:mc="http://schemas.openxmlformats.org/markup-compatibility/2006" type="blank" preserve="1">
+  <p:cSld name="Title, 6 Content">
+    <p:spTree>
+      <p:nvGrpSpPr>
+        <p:cNvPr id="1" name=""/>
+        <p:cNvGrpSpPr/>
+        <p:nvPr/>
+      </p:nvGrpSpPr>
+      <p:grpSpPr>
+        <a:xfrm>
+          <a:off x="0" y="0"/>
+          <a:ext cx="0" cy="0"/>
+          <a:chOff x="0" y="0"/>
+          <a:chExt cx="0" cy="0"/>
+        </a:xfrm>
+      </p:grpSpPr>
+      <p:sp>
+        <p:nvSpPr>
+          <p:cNvPr id="107" name="PlaceHolder 1"/>
+          <p:cNvSpPr>
+            <a:spLocks noGrp="1"/>
+          </p:cNvSpPr>
+          <p:nvPr>
+            <p:ph type="title"/>
+          </p:nvPr>
+        </p:nvSpPr>
+        <p:spPr>
+          <a:xfrm>
+            <a:off x="504000" y="226080"/>
+            <a:ext cx="9070920" cy="945720"/>
+          </a:xfrm>
+          <a:prstGeom prst="rect">
+            <a:avLst/>
+          </a:prstGeom>
+        </p:spPr>
+        <p:txBody>
+          <a:bodyPr lIns="0" rIns="0" tIns="0" bIns="0" anchor="ctr"/>
+          <a:p>
+            <a:pPr algn="ctr"/>
+            <a:endParaRPr b="0" lang="en-US" sz="4400" spc="-1" strike="noStrike">
+              <a:latin typeface="Arial"/>
+            </a:endParaRPr>
+          </a:p>
+        </p:txBody>
+      </p:sp>
+      <p:sp>
+        <p:nvSpPr>
+          <p:cNvPr id="108" name="PlaceHolder 2"/>
+          <p:cNvSpPr>
+            <a:spLocks noGrp="1"/>
+          </p:cNvSpPr>
+          <p:nvPr>
+            <p:ph type="body"/>
+          </p:nvPr>
+        </p:nvSpPr>
+        <p:spPr>
+          <a:xfrm>
+            <a:off x="504000" y="1326600"/>
+            <a:ext cx="2920680" cy="1567800"/>
+          </a:xfrm>
+          <a:prstGeom prst="rect">
+            <a:avLst/>
+          </a:prstGeom>
+        </p:spPr>
+        <p:txBody>
+          <a:bodyPr lIns="0" rIns="0" tIns="0" bIns="0">
+            <a:normAutofit/>
+          </a:bodyPr>
+          <a:p>
+            <a:endParaRPr b="0" lang="en-US" sz="3200" spc="-1" strike="noStrike">
+              <a:latin typeface="Arial"/>
+            </a:endParaRPr>
+          </a:p>
+        </p:txBody>
+      </p:sp>
+      <p:sp>
+        <p:nvSpPr>
+          <p:cNvPr id="109" name="PlaceHolder 3"/>
+          <p:cNvSpPr>
+            <a:spLocks noGrp="1"/>
+          </p:cNvSpPr>
+          <p:nvPr>
+            <p:ph type="body"/>
+          </p:nvPr>
+        </p:nvSpPr>
+        <p:spPr>
+          <a:xfrm>
+            <a:off x="3571200" y="1326600"/>
+            <a:ext cx="2920680" cy="1567800"/>
+          </a:xfrm>
+          <a:prstGeom prst="rect">
+            <a:avLst/>
+          </a:prstGeom>
+        </p:spPr>
+        <p:txBody>
+          <a:bodyPr lIns="0" rIns="0" tIns="0" bIns="0">
+            <a:normAutofit/>
+          </a:bodyPr>
+          <a:p>
+            <a:endParaRPr b="0" lang="en-US" sz="3200" spc="-1" strike="noStrike">
+              <a:latin typeface="Arial"/>
+            </a:endParaRPr>
+          </a:p>
+        </p:txBody>
+      </p:sp>
+      <p:sp>
+        <p:nvSpPr>
+          <p:cNvPr id="110" name="PlaceHolder 4"/>
+          <p:cNvSpPr>
+            <a:spLocks noGrp="1"/>
+          </p:cNvSpPr>
+          <p:nvPr>
+            <p:ph type="body"/>
+          </p:nvPr>
+        </p:nvSpPr>
+        <p:spPr>
+          <a:xfrm>
+            <a:off x="6638040" y="1326600"/>
+            <a:ext cx="2920680" cy="1567800"/>
+          </a:xfrm>
+          <a:prstGeom prst="rect">
+            <a:avLst/>
+          </a:prstGeom>
+        </p:spPr>
+        <p:txBody>
+          <a:bodyPr lIns="0" rIns="0" tIns="0" bIns="0">
+            <a:normAutofit/>
+          </a:bodyPr>
+          <a:p>
+            <a:endParaRPr b="0" lang="en-US" sz="3200" spc="-1" strike="noStrike">
+              <a:latin typeface="Arial"/>
+            </a:endParaRPr>
+          </a:p>
+        </p:txBody>
+      </p:sp>
+      <p:sp>
+        <p:nvSpPr>
+          <p:cNvPr id="111" name="PlaceHolder 5"/>
+          <p:cNvSpPr>
+            <a:spLocks noGrp="1"/>
+          </p:cNvSpPr>
+          <p:nvPr>
+            <p:ph type="body"/>
+          </p:nvPr>
+        </p:nvSpPr>
+        <p:spPr>
+          <a:xfrm>
+            <a:off x="504000" y="3043800"/>
+            <a:ext cx="2920680" cy="1567800"/>
+          </a:xfrm>
+          <a:prstGeom prst="rect">
+            <a:avLst/>
+          </a:prstGeom>
+        </p:spPr>
+        <p:txBody>
+          <a:bodyPr lIns="0" rIns="0" tIns="0" bIns="0">
+            <a:normAutofit/>
+          </a:bodyPr>
+          <a:p>
+            <a:endParaRPr b="0" lang="en-US" sz="3200" spc="-1" strike="noStrike">
+              <a:latin typeface="Arial"/>
+            </a:endParaRPr>
+          </a:p>
+        </p:txBody>
+      </p:sp>
+      <p:sp>
+        <p:nvSpPr>
+          <p:cNvPr id="112" name="PlaceHolder 6"/>
+          <p:cNvSpPr>
+            <a:spLocks noGrp="1"/>
+          </p:cNvSpPr>
+          <p:nvPr>
+            <p:ph type="body"/>
+          </p:nvPr>
+        </p:nvSpPr>
+        <p:spPr>
+          <a:xfrm>
+            <a:off x="3571200" y="3043800"/>
+            <a:ext cx="2920680" cy="1567800"/>
+          </a:xfrm>
+          <a:prstGeom prst="rect">
+            <a:avLst/>
+          </a:prstGeom>
+        </p:spPr>
+        <p:txBody>
+          <a:bodyPr lIns="0" rIns="0" tIns="0" bIns="0">
+            <a:normAutofit/>
+          </a:bodyPr>
+          <a:p>
+            <a:endParaRPr b="0" lang="en-US" sz="3200" spc="-1" strike="noStrike">
+              <a:latin typeface="Arial"/>
+            </a:endParaRPr>
+          </a:p>
+        </p:txBody>
+      </p:sp>
+      <p:sp>
+        <p:nvSpPr>
+          <p:cNvPr id="113" name="PlaceHolder 7"/>
+          <p:cNvSpPr>
+            <a:spLocks noGrp="1"/>
+          </p:cNvSpPr>
+          <p:nvPr>
+            <p:ph type="body"/>
+          </p:nvPr>
+        </p:nvSpPr>
+        <p:spPr>
+          <a:xfrm>
+            <a:off x="6638040" y="3043800"/>
+            <a:ext cx="2920680" cy="1567800"/>
           </a:xfrm>
           <a:prstGeom prst="rect">
             <a:avLst/>
@@ -2080,7 +3413,7 @@
         <p:spPr>
           <a:xfrm>
             <a:off x="504000" y="226080"/>
-            <a:ext cx="9071280" cy="946080"/>
+            <a:ext cx="9070920" cy="945720"/>
           </a:xfrm>
           <a:prstGeom prst="rect">
             <a:avLst/>
@@ -2109,7 +3442,7 @@
         <p:spPr>
           <a:xfrm>
             <a:off x="504000" y="1326600"/>
-            <a:ext cx="4426560" cy="3287880"/>
+            <a:ext cx="4426560" cy="3287520"/>
           </a:xfrm>
           <a:prstGeom prst="rect">
             <a:avLst/>
@@ -2139,7 +3472,7 @@
         <p:spPr>
           <a:xfrm>
             <a:off x="5152320" y="1326600"/>
-            <a:ext cx="4426560" cy="3287880"/>
+            <a:ext cx="4426560" cy="3287520"/>
           </a:xfrm>
           <a:prstGeom prst="rect">
             <a:avLst/>
@@ -2191,7 +3524,7 @@
         <p:spPr>
           <a:xfrm>
             <a:off x="504000" y="226080"/>
-            <a:ext cx="9071280" cy="946080"/>
+            <a:ext cx="9070920" cy="945720"/>
           </a:xfrm>
           <a:prstGeom prst="rect">
             <a:avLst/>
@@ -2242,7 +3575,7 @@
         <p:spPr>
           <a:xfrm>
             <a:off x="504000" y="226080"/>
-            <a:ext cx="9071280" cy="4386600"/>
+            <a:ext cx="9070920" cy="4385160"/>
           </a:xfrm>
           <a:prstGeom prst="rect">
             <a:avLst/>
@@ -2293,7 +3626,7 @@
         <p:spPr>
           <a:xfrm>
             <a:off x="504000" y="226080"/>
-            <a:ext cx="9071280" cy="946080"/>
+            <a:ext cx="9070920" cy="945720"/>
           </a:xfrm>
           <a:prstGeom prst="rect">
             <a:avLst/>
@@ -2322,7 +3655,7 @@
         <p:spPr>
           <a:xfrm>
             <a:off x="504000" y="1326600"/>
-            <a:ext cx="4426560" cy="1568160"/>
+            <a:ext cx="4426560" cy="1567800"/>
           </a:xfrm>
           <a:prstGeom prst="rect">
             <a:avLst/>
@@ -2352,7 +3685,7 @@
         <p:spPr>
           <a:xfrm>
             <a:off x="5152320" y="1326600"/>
-            <a:ext cx="4426560" cy="3287880"/>
+            <a:ext cx="4426560" cy="3287520"/>
           </a:xfrm>
           <a:prstGeom prst="rect">
             <a:avLst/>
@@ -2381,8 +3714,8 @@
         </p:nvSpPr>
         <p:spPr>
           <a:xfrm>
-            <a:off x="504000" y="3044160"/>
-            <a:ext cx="4426560" cy="1568160"/>
+            <a:off x="504000" y="3043800"/>
+            <a:ext cx="4426560" cy="1567800"/>
           </a:xfrm>
           <a:prstGeom prst="rect">
             <a:avLst/>
@@ -2434,7 +3767,7 @@
         <p:spPr>
           <a:xfrm>
             <a:off x="504000" y="226080"/>
-            <a:ext cx="9071280" cy="946080"/>
+            <a:ext cx="9070920" cy="945720"/>
           </a:xfrm>
           <a:prstGeom prst="rect">
             <a:avLst/>
@@ -2463,7 +3796,7 @@
         <p:spPr>
           <a:xfrm>
             <a:off x="504000" y="1326600"/>
-            <a:ext cx="4426560" cy="3287880"/>
+            <a:ext cx="4426560" cy="3287520"/>
           </a:xfrm>
           <a:prstGeom prst="rect">
             <a:avLst/>
@@ -2493,7 +3826,7 @@
         <p:spPr>
           <a:xfrm>
             <a:off x="5152320" y="1326600"/>
-            <a:ext cx="4426560" cy="1568160"/>
+            <a:ext cx="4426560" cy="1567800"/>
           </a:xfrm>
           <a:prstGeom prst="rect">
             <a:avLst/>
@@ -2522,8 +3855,8 @@
         </p:nvSpPr>
         <p:spPr>
           <a:xfrm>
-            <a:off x="5152320" y="3044160"/>
-            <a:ext cx="4426560" cy="1568160"/>
+            <a:off x="5152320" y="3043800"/>
+            <a:ext cx="4426560" cy="1567800"/>
           </a:xfrm>
           <a:prstGeom prst="rect">
             <a:avLst/>
@@ -2575,7 +3908,7 @@
         <p:spPr>
           <a:xfrm>
             <a:off x="504000" y="226080"/>
-            <a:ext cx="9071280" cy="946080"/>
+            <a:ext cx="9070920" cy="945720"/>
           </a:xfrm>
           <a:prstGeom prst="rect">
             <a:avLst/>
@@ -2604,7 +3937,7 @@
         <p:spPr>
           <a:xfrm>
             <a:off x="504000" y="1326600"/>
-            <a:ext cx="4426560" cy="1568160"/>
+            <a:ext cx="4426560" cy="1567800"/>
           </a:xfrm>
           <a:prstGeom prst="rect">
             <a:avLst/>
@@ -2634,7 +3967,7 @@
         <p:spPr>
           <a:xfrm>
             <a:off x="5152320" y="1326600"/>
-            <a:ext cx="4426560" cy="1568160"/>
+            <a:ext cx="4426560" cy="1567800"/>
           </a:xfrm>
           <a:prstGeom prst="rect">
             <a:avLst/>
@@ -2663,8 +3996,8 @@
         </p:nvSpPr>
         <p:spPr>
           <a:xfrm>
-            <a:off x="504000" y="3044160"/>
-            <a:ext cx="9071280" cy="1568160"/>
+            <a:off x="504000" y="3043800"/>
+            <a:ext cx="9070920" cy="1567800"/>
           </a:xfrm>
           <a:prstGeom prst="rect">
             <a:avLst/>
@@ -2967,7 +4300,258 @@
         <p:spPr>
           <a:xfrm>
             <a:off x="504000" y="226080"/>
-            <a:ext cx="9071280" cy="946080"/>
+            <a:ext cx="9072000" cy="946440"/>
+          </a:xfrm>
+          <a:prstGeom prst="rect">
+            <a:avLst/>
+          </a:prstGeom>
+        </p:spPr>
+        <p:txBody>
+          <a:bodyPr lIns="0" rIns="0" tIns="0" bIns="0" anchor="ctr"/>
+          <a:p>
+            <a:pPr algn="ctr"/>
+            <a:r>
+              <a:rPr b="0" lang="en-US" sz="4400" spc="-1" strike="noStrike">
+                <a:latin typeface="Arial"/>
+              </a:rPr>
+              <a:t>Click to edit the title text format</a:t>
+            </a:r>
+            <a:endParaRPr b="0" lang="en-US" sz="4400" spc="-1" strike="noStrike">
+              <a:latin typeface="Arial"/>
+            </a:endParaRPr>
+          </a:p>
+        </p:txBody>
+      </p:sp>
+      <p:sp>
+        <p:nvSpPr>
+          <p:cNvPr id="39" name="PlaceHolder 2"/>
+          <p:cNvSpPr>
+            <a:spLocks noGrp="1"/>
+          </p:cNvSpPr>
+          <p:nvPr>
+            <p:ph type="body"/>
+          </p:nvPr>
+        </p:nvSpPr>
+        <p:spPr>
+          <a:xfrm>
+            <a:off x="504000" y="1326600"/>
+            <a:ext cx="9072000" cy="3288600"/>
+          </a:xfrm>
+          <a:prstGeom prst="rect">
+            <a:avLst/>
+          </a:prstGeom>
+        </p:spPr>
+        <p:txBody>
+          <a:bodyPr lIns="0" rIns="0" tIns="0" bIns="0">
+            <a:normAutofit/>
+          </a:bodyPr>
+          <a:p>
+            <a:pPr marL="432000" indent="-324000">
+              <a:spcBef>
+                <a:spcPts val="1417"/>
+              </a:spcBef>
+              <a:buClr>
+                <a:srgbClr val="000000"/>
+              </a:buClr>
+              <a:buSzPct val="45000"/>
+              <a:buFont typeface="Wingdings" charset="2"/>
+              <a:buChar char=""/>
+            </a:pPr>
+            <a:r>
+              <a:rPr b="0" lang="en-US" sz="3200" spc="-1" strike="noStrike">
+                <a:latin typeface="Arial"/>
+              </a:rPr>
+              <a:t>Click to edit the outline text format</a:t>
+            </a:r>
+            <a:endParaRPr b="0" lang="en-US" sz="3200" spc="-1" strike="noStrike">
+              <a:latin typeface="Arial"/>
+            </a:endParaRPr>
+          </a:p>
+          <a:p>
+            <a:pPr lvl="1" marL="864000" indent="-324000">
+              <a:spcBef>
+                <a:spcPts val="1134"/>
+              </a:spcBef>
+              <a:buClr>
+                <a:srgbClr val="000000"/>
+              </a:buClr>
+              <a:buSzPct val="75000"/>
+              <a:buFont typeface="Symbol" charset="2"/>
+              <a:buChar char=""/>
+            </a:pPr>
+            <a:r>
+              <a:rPr b="0" lang="en-US" sz="2800" spc="-1" strike="noStrike">
+                <a:latin typeface="Arial"/>
+              </a:rPr>
+              <a:t>Second Outline Level</a:t>
+            </a:r>
+            <a:endParaRPr b="0" lang="en-US" sz="2800" spc="-1" strike="noStrike">
+              <a:latin typeface="Arial"/>
+            </a:endParaRPr>
+          </a:p>
+          <a:p>
+            <a:pPr lvl="2" marL="1296000" indent="-288000">
+              <a:spcBef>
+                <a:spcPts val="850"/>
+              </a:spcBef>
+              <a:buClr>
+                <a:srgbClr val="000000"/>
+              </a:buClr>
+              <a:buSzPct val="45000"/>
+              <a:buFont typeface="Wingdings" charset="2"/>
+              <a:buChar char=""/>
+            </a:pPr>
+            <a:r>
+              <a:rPr b="0" lang="en-US" sz="2400" spc="-1" strike="noStrike">
+                <a:latin typeface="Arial"/>
+              </a:rPr>
+              <a:t>Third Outline Level</a:t>
+            </a:r>
+            <a:endParaRPr b="0" lang="en-US" sz="2400" spc="-1" strike="noStrike">
+              <a:latin typeface="Arial"/>
+            </a:endParaRPr>
+          </a:p>
+          <a:p>
+            <a:pPr lvl="3" marL="1728000" indent="-216000">
+              <a:spcBef>
+                <a:spcPts val="567"/>
+              </a:spcBef>
+              <a:buClr>
+                <a:srgbClr val="000000"/>
+              </a:buClr>
+              <a:buSzPct val="75000"/>
+              <a:buFont typeface="Symbol" charset="2"/>
+              <a:buChar char=""/>
+            </a:pPr>
+            <a:r>
+              <a:rPr b="0" lang="en-US" sz="2000" spc="-1" strike="noStrike">
+                <a:latin typeface="Arial"/>
+              </a:rPr>
+              <a:t>Fourth Outline Level</a:t>
+            </a:r>
+            <a:endParaRPr b="0" lang="en-US" sz="2000" spc="-1" strike="noStrike">
+              <a:latin typeface="Arial"/>
+            </a:endParaRPr>
+          </a:p>
+          <a:p>
+            <a:pPr lvl="4" marL="2160000" indent="-216000">
+              <a:spcBef>
+                <a:spcPts val="283"/>
+              </a:spcBef>
+              <a:buClr>
+                <a:srgbClr val="000000"/>
+              </a:buClr>
+              <a:buSzPct val="45000"/>
+              <a:buFont typeface="Wingdings" charset="2"/>
+              <a:buChar char=""/>
+            </a:pPr>
+            <a:r>
+              <a:rPr b="0" lang="en-US" sz="2000" spc="-1" strike="noStrike">
+                <a:latin typeface="Arial"/>
+              </a:rPr>
+              <a:t>Fifth Outline Level</a:t>
+            </a:r>
+            <a:endParaRPr b="0" lang="en-US" sz="2000" spc="-1" strike="noStrike">
+              <a:latin typeface="Arial"/>
+            </a:endParaRPr>
+          </a:p>
+          <a:p>
+            <a:pPr lvl="5" marL="2592000" indent="-216000">
+              <a:spcBef>
+                <a:spcPts val="283"/>
+              </a:spcBef>
+              <a:buClr>
+                <a:srgbClr val="000000"/>
+              </a:buClr>
+              <a:buSzPct val="45000"/>
+              <a:buFont typeface="Wingdings" charset="2"/>
+              <a:buChar char=""/>
+            </a:pPr>
+            <a:r>
+              <a:rPr b="0" lang="en-US" sz="2000" spc="-1" strike="noStrike">
+                <a:latin typeface="Arial"/>
+              </a:rPr>
+              <a:t>Sixth Outline Level</a:t>
+            </a:r>
+            <a:endParaRPr b="0" lang="en-US" sz="2000" spc="-1" strike="noStrike">
+              <a:latin typeface="Arial"/>
+            </a:endParaRPr>
+          </a:p>
+          <a:p>
+            <a:pPr lvl="6" marL="3024000" indent="-216000">
+              <a:spcBef>
+                <a:spcPts val="283"/>
+              </a:spcBef>
+              <a:buClr>
+                <a:srgbClr val="000000"/>
+              </a:buClr>
+              <a:buSzPct val="45000"/>
+              <a:buFont typeface="Wingdings" charset="2"/>
+              <a:buChar char=""/>
+            </a:pPr>
+            <a:r>
+              <a:rPr b="0" lang="en-US" sz="2000" spc="-1" strike="noStrike">
+                <a:latin typeface="Arial"/>
+              </a:rPr>
+              <a:t>Seventh Outline Level</a:t>
+            </a:r>
+            <a:endParaRPr b="0" lang="en-US" sz="2000" spc="-1" strike="noStrike">
+              <a:latin typeface="Arial"/>
+            </a:endParaRPr>
+          </a:p>
+        </p:txBody>
+      </p:sp>
+    </p:spTree>
+  </p:cSld>
+  <p:clrMap bg1="lt1" bg2="lt2" tx1="dk1" tx2="dk2" accent1="accent1" accent2="accent2" accent3="accent3" accent4="accent4" accent5="accent5" accent6="accent6" hlink="hlink" folHlink="folHlink"/>
+  <p:sldLayoutIdLst>
+    <p:sldLayoutId id="2147483662" r:id="rId2"/>
+    <p:sldLayoutId id="2147483663" r:id="rId3"/>
+    <p:sldLayoutId id="2147483664" r:id="rId4"/>
+    <p:sldLayoutId id="2147483665" r:id="rId5"/>
+    <p:sldLayoutId id="2147483666" r:id="rId6"/>
+    <p:sldLayoutId id="2147483667" r:id="rId7"/>
+    <p:sldLayoutId id="2147483668" r:id="rId8"/>
+    <p:sldLayoutId id="2147483669" r:id="rId9"/>
+    <p:sldLayoutId id="2147483670" r:id="rId10"/>
+    <p:sldLayoutId id="2147483671" r:id="rId11"/>
+    <p:sldLayoutId id="2147483672" r:id="rId12"/>
+    <p:sldLayoutId id="2147483673" r:id="rId13"/>
+  </p:sldLayoutIdLst>
+</p:sldMaster>
+</file>
+
+<file path=ppt/slideMasters/slideMaster3.xml><?xml version="1.0" encoding="utf-8"?>
+<p:sldMaster xmlns:a="http://schemas.openxmlformats.org/drawingml/2006/main" xmlns:p="http://schemas.openxmlformats.org/presentationml/2006/main" xmlns:r="http://schemas.openxmlformats.org/officeDocument/2006/relationships" xmlns:p14="http://schemas.microsoft.com/office/powerpoint/2010/main" xmlns:p15="http://schemas.microsoft.com/office/powerpoint/2012/main" xmlns:mc="http://schemas.openxmlformats.org/markup-compatibility/2006">
+  <p:cSld>
+    <p:spTree>
+      <p:nvGrpSpPr>
+        <p:cNvPr id="1" name=""/>
+        <p:cNvGrpSpPr/>
+        <p:nvPr/>
+      </p:nvGrpSpPr>
+      <p:grpSpPr>
+        <a:xfrm>
+          <a:off x="0" y="0"/>
+          <a:ext cx="0" cy="0"/>
+          <a:chOff x="0" y="0"/>
+          <a:chExt cx="0" cy="0"/>
+        </a:xfrm>
+      </p:grpSpPr>
+      <p:sp>
+        <p:nvSpPr>
+          <p:cNvPr id="76" name="PlaceHolder 1"/>
+          <p:cNvSpPr>
+            <a:spLocks noGrp="1"/>
+          </p:cNvSpPr>
+          <p:nvPr>
+            <p:ph type="title"/>
+          </p:nvPr>
+        </p:nvSpPr>
+        <p:spPr>
+          <a:xfrm>
+            <a:off x="504000" y="226080"/>
+            <a:ext cx="9070920" cy="945720"/>
           </a:xfrm>
           <a:prstGeom prst="rect">
             <a:avLst/>
@@ -2990,7 +4574,7 @@
       </p:sp>
       <p:sp>
         <p:nvSpPr>
-          <p:cNvPr id="39" name="PlaceHolder 2"/>
+          <p:cNvPr id="77" name="PlaceHolder 2"/>
           <p:cNvSpPr>
             <a:spLocks noGrp="1"/>
           </p:cNvSpPr>
@@ -3001,7 +4585,7 @@
         <p:spPr>
           <a:xfrm>
             <a:off x="504000" y="1326600"/>
-            <a:ext cx="9071280" cy="3287880"/>
+            <a:ext cx="9070920" cy="3287520"/>
           </a:xfrm>
           <a:prstGeom prst="rect">
             <a:avLst/>
@@ -3171,18 +4755,18 @@
   </p:cSld>
   <p:clrMap bg1="lt1" bg2="lt2" tx1="dk1" tx2="dk2" accent1="accent1" accent2="accent2" accent3="accent3" accent4="accent4" accent5="accent5" accent6="accent6" hlink="hlink" folHlink="folHlink"/>
   <p:sldLayoutIdLst>
-    <p:sldLayoutId id="2147483662" r:id="rId2"/>
-    <p:sldLayoutId id="2147483663" r:id="rId3"/>
-    <p:sldLayoutId id="2147483664" r:id="rId4"/>
-    <p:sldLayoutId id="2147483665" r:id="rId5"/>
-    <p:sldLayoutId id="2147483666" r:id="rId6"/>
-    <p:sldLayoutId id="2147483667" r:id="rId7"/>
-    <p:sldLayoutId id="2147483668" r:id="rId8"/>
-    <p:sldLayoutId id="2147483669" r:id="rId9"/>
-    <p:sldLayoutId id="2147483670" r:id="rId10"/>
-    <p:sldLayoutId id="2147483671" r:id="rId11"/>
-    <p:sldLayoutId id="2147483672" r:id="rId12"/>
-    <p:sldLayoutId id="2147483673" r:id="rId13"/>
+    <p:sldLayoutId id="2147483675" r:id="rId2"/>
+    <p:sldLayoutId id="2147483676" r:id="rId3"/>
+    <p:sldLayoutId id="2147483677" r:id="rId4"/>
+    <p:sldLayoutId id="2147483678" r:id="rId5"/>
+    <p:sldLayoutId id="2147483679" r:id="rId6"/>
+    <p:sldLayoutId id="2147483680" r:id="rId7"/>
+    <p:sldLayoutId id="2147483681" r:id="rId8"/>
+    <p:sldLayoutId id="2147483682" r:id="rId9"/>
+    <p:sldLayoutId id="2147483683" r:id="rId10"/>
+    <p:sldLayoutId id="2147483684" r:id="rId11"/>
+    <p:sldLayoutId id="2147483685" r:id="rId12"/>
+    <p:sldLayoutId id="2147483686" r:id="rId13"/>
   </p:sldLayoutIdLst>
 </p:sldMaster>
 </file>
@@ -3206,14 +4790,14 @@
       </p:grpSpPr>
       <p:sp>
         <p:nvSpPr>
-          <p:cNvPr id="76" name="CustomShape 1"/>
+          <p:cNvPr id="114" name="CustomShape 1"/>
           <p:cNvSpPr/>
           <p:nvPr/>
         </p:nvSpPr>
         <p:spPr>
           <a:xfrm>
             <a:off x="504000" y="226080"/>
-            <a:ext cx="9071280" cy="4388040"/>
+            <a:ext cx="9070920" cy="4387680"/>
           </a:xfrm>
           <a:prstGeom prst="rect">
             <a:avLst/>
@@ -3239,7 +4823,11 @@
             </a:pPr>
             <a:r>
               <a:rPr b="0" lang="en-US" sz="3200" spc="-1" strike="noStrike">
+                <a:solidFill>
+                  <a:srgbClr val="000000"/>
+                </a:solidFill>
                 <a:latin typeface="Arial"/>
+                <a:ea typeface="DejaVu Sans"/>
               </a:rPr>
               <a:t>Διαδίκτυο και Εφαρμογές</a:t>
             </a:r>
@@ -3255,7 +4843,11 @@
             </a:pPr>
             <a:r>
               <a:rPr b="0" lang="en-US" sz="3200" spc="-1" strike="noStrike">
+                <a:solidFill>
+                  <a:srgbClr val="000000"/>
+                </a:solidFill>
                 <a:latin typeface="Arial"/>
+                <a:ea typeface="DejaVu Sans"/>
               </a:rPr>
               <a:t>Εαρινό Εξάμηνο 2020</a:t>
             </a:r>
@@ -3271,7 +4863,11 @@
             </a:pPr>
             <a:r>
               <a:rPr b="0" lang="en-US" sz="3200" spc="-1" strike="noStrike">
+                <a:solidFill>
+                  <a:srgbClr val="000000"/>
+                </a:solidFill>
                 <a:latin typeface="Arial"/>
+                <a:ea typeface="DejaVu Sans"/>
               </a:rPr>
               <a:t>Μαυροθαλασσίτης Ιωάννης</a:t>
             </a:r>
@@ -3287,7 +4883,11 @@
             </a:pPr>
             <a:r>
               <a:rPr b="0" lang="en-US" sz="3200" spc="-1" strike="noStrike">
+                <a:solidFill>
+                  <a:srgbClr val="000000"/>
+                </a:solidFill>
                 <a:latin typeface="Arial"/>
+                <a:ea typeface="DejaVu Sans"/>
               </a:rPr>
               <a:t>ΑΜ:03115059</a:t>
             </a:r>
@@ -3348,14 +4948,14 @@
       </p:grpSpPr>
       <p:sp>
         <p:nvSpPr>
-          <p:cNvPr id="93" name="TextShape 1"/>
-          <p:cNvSpPr txBox="1"/>
+          <p:cNvPr id="131" name="CustomShape 1"/>
+          <p:cNvSpPr/>
           <p:nvPr/>
         </p:nvSpPr>
         <p:spPr>
           <a:xfrm>
             <a:off x="504000" y="226080"/>
-            <a:ext cx="9071280" cy="946080"/>
+            <a:ext cx="9070920" cy="945720"/>
           </a:xfrm>
           <a:prstGeom prst="rect">
             <a:avLst/>
@@ -3365,10 +4965,20 @@
             <a:noFill/>
           </a:ln>
         </p:spPr>
+        <p:style>
+          <a:lnRef idx="0"/>
+          <a:fillRef idx="0"/>
+          <a:effectRef idx="0"/>
+          <a:fontRef idx="minor"/>
+        </p:style>
         <p:txBody>
           <a:bodyPr lIns="0" rIns="0" tIns="0" bIns="0" anchor="ctr"/>
           <a:p>
-            <a:pPr algn="ctr"/>
+            <a:pPr algn="ctr">
+              <a:lnSpc>
+                <a:spcPct val="100000"/>
+              </a:lnSpc>
+            </a:pPr>
             <a:r>
               <a:rPr b="0" lang="en-US" sz="4400" spc="-1" strike="noStrike">
                 <a:latin typeface="Arial"/>
@@ -3383,14 +4993,14 @@
       </p:sp>
       <p:sp>
         <p:nvSpPr>
-          <p:cNvPr id="94" name="TextShape 2"/>
-          <p:cNvSpPr txBox="1"/>
+          <p:cNvPr id="132" name="CustomShape 2"/>
+          <p:cNvSpPr/>
           <p:nvPr/>
         </p:nvSpPr>
         <p:spPr>
           <a:xfrm>
             <a:off x="504000" y="1326600"/>
-            <a:ext cx="9071280" cy="3287880"/>
+            <a:ext cx="9070920" cy="3287520"/>
           </a:xfrm>
           <a:prstGeom prst="rect">
             <a:avLst/>
@@ -3400,12 +5010,21 @@
             <a:noFill/>
           </a:ln>
         </p:spPr>
-        <p:txBody>
-          <a:bodyPr lIns="0" rIns="0" tIns="0" bIns="0">
-            <a:normAutofit/>
-          </a:bodyPr>
-          <a:p>
-            <a:pPr marL="432000" indent="-324000">
+        <p:style>
+          <a:lnRef idx="0"/>
+          <a:fillRef idx="0"/>
+          <a:effectRef idx="0"/>
+          <a:fontRef idx="minor"/>
+        </p:style>
+        <p:txBody>
+          <a:bodyPr lIns="0" rIns="0" tIns="0" bIns="0">
+            <a:normAutofit/>
+          </a:bodyPr>
+          <a:p>
+            <a:pPr marL="432000" indent="-323640">
+              <a:lnSpc>
+                <a:spcPct val="100000"/>
+              </a:lnSpc>
               <a:spcBef>
                 <a:spcPts val="1417"/>
               </a:spcBef>
@@ -3420,25 +5039,32 @@
               <a:rPr b="0" lang="en-US" sz="3200" spc="-1" strike="noStrike">
                 <a:latin typeface="Arial"/>
               </a:rPr>
-              <a:t>Το back-end με την σειρά του κάνει την </a:t>
+              <a:t>Το back-end με την σειρά του κάνει την αναζήτηση με το sql query των άρθρων που υπάρχουν στην βάση σχετικά με την “pneumonia” και επιστρέφει τους επιστήμονες που είναι primary authors  με τα 10 περρισότερα.</a:t>
             </a:r>
+            <a:endParaRPr b="0" lang="en-US" sz="3200" spc="-1" strike="noStrike">
+              <a:latin typeface="Arial"/>
+            </a:endParaRPr>
+          </a:p>
+          <a:p>
+            <a:pPr marL="432000" indent="-323640">
+              <a:lnSpc>
+                <a:spcPct val="100000"/>
+              </a:lnSpc>
+              <a:spcBef>
+                <a:spcPts val="1417"/>
+              </a:spcBef>
+              <a:buClr>
+                <a:srgbClr val="000000"/>
+              </a:buClr>
+              <a:buSzPct val="45000"/>
+              <a:buFont typeface="Wingdings" charset="2"/>
+              <a:buChar char=""/>
+            </a:pPr>
             <a:r>
               <a:rPr b="0" lang="en-US" sz="3200" spc="-1" strike="noStrike">
                 <a:latin typeface="Arial"/>
               </a:rPr>
-              <a:t>αναζήτηση με το sql query των άρθρων που </a:t>
-            </a:r>
-            <a:r>
-              <a:rPr b="0" lang="en-US" sz="3200" spc="-1" strike="noStrike">
-                <a:latin typeface="Arial"/>
-              </a:rPr>
-              <a:t>υπάρχουν στην βάση σχετικά με την </a:t>
-            </a:r>
-            <a:r>
-              <a:rPr b="0" lang="en-US" sz="3200" spc="-1" strike="noStrike">
-                <a:latin typeface="Arial"/>
-              </a:rPr>
-              <a:t>“pneumonia”</a:t>
+              <a:t>Στην συνέχεια το front-end τυπώνει τα αποτελέσματα.</a:t>
             </a:r>
             <a:endParaRPr b="0" lang="en-US" sz="3200" spc="-1" strike="noStrike">
               <a:latin typeface="Arial"/>
@@ -3497,14 +5123,14 @@
       </p:grpSpPr>
       <p:sp>
         <p:nvSpPr>
-          <p:cNvPr id="77" name="CustomShape 1"/>
+          <p:cNvPr id="115" name="CustomShape 1"/>
           <p:cNvSpPr/>
           <p:nvPr/>
         </p:nvSpPr>
         <p:spPr>
           <a:xfrm>
             <a:off x="504000" y="226080"/>
-            <a:ext cx="9071280" cy="946080"/>
+            <a:ext cx="9070920" cy="945720"/>
           </a:xfrm>
           <a:prstGeom prst="rect">
             <a:avLst/>
@@ -3530,7 +5156,11 @@
             </a:pPr>
             <a:r>
               <a:rPr b="0" lang="en-US" sz="4400" spc="-1" strike="noStrike">
+                <a:solidFill>
+                  <a:srgbClr val="000000"/>
+                </a:solidFill>
                 <a:latin typeface="Arial"/>
+                <a:ea typeface="DejaVu Sans"/>
               </a:rPr>
               <a:t>Εγκατάσταση &amp; Εκκίνηση</a:t>
             </a:r>
@@ -3542,14 +5172,14 @@
       </p:sp>
       <p:sp>
         <p:nvSpPr>
-          <p:cNvPr id="78" name="CustomShape 2"/>
+          <p:cNvPr id="116" name="CustomShape 2"/>
           <p:cNvSpPr/>
           <p:nvPr/>
         </p:nvSpPr>
         <p:spPr>
           <a:xfrm>
             <a:off x="504000" y="1326600"/>
-            <a:ext cx="9071280" cy="3287880"/>
+            <a:ext cx="9070920" cy="3287520"/>
           </a:xfrm>
           <a:prstGeom prst="rect">
             <a:avLst/>
@@ -3570,7 +5200,7 @@
             <a:normAutofit/>
           </a:bodyPr>
           <a:p>
-            <a:pPr marL="432000" indent="-323640">
+            <a:pPr marL="432000" indent="-323280">
               <a:lnSpc>
                 <a:spcPct val="100000"/>
               </a:lnSpc>
@@ -3586,7 +5216,11 @@
             </a:pPr>
             <a:r>
               <a:rPr b="0" lang="en-US" sz="3200" spc="-1" strike="noStrike">
+                <a:solidFill>
+                  <a:srgbClr val="000000"/>
+                </a:solidFill>
                 <a:latin typeface="Arial"/>
+                <a:ea typeface="DejaVu Sans"/>
               </a:rPr>
               <a:t>Ανοίγουμε τον φάκελο back-end και ακολουθούμε τις οδηγίες του README.md.</a:t>
             </a:r>
@@ -3595,7 +5229,7 @@
             </a:endParaRPr>
           </a:p>
           <a:p>
-            <a:pPr marL="432000" indent="-323640">
+            <a:pPr marL="432000" indent="-323280">
               <a:lnSpc>
                 <a:spcPct val="100000"/>
               </a:lnSpc>
@@ -3611,7 +5245,11 @@
             </a:pPr>
             <a:r>
               <a:rPr b="0" lang="en-US" sz="3200" spc="-1" strike="noStrike">
+                <a:solidFill>
+                  <a:srgbClr val="000000"/>
+                </a:solidFill>
                 <a:latin typeface="Arial"/>
+                <a:ea typeface="DejaVu Sans"/>
               </a:rPr>
               <a:t>Mε το παραπάνω πρέπει να έχουμε μια λειτουργική βασή και να λειτουργεί και το back-end υποσύστημα</a:t>
             </a:r>
@@ -3620,7 +5258,7 @@
             </a:endParaRPr>
           </a:p>
           <a:p>
-            <a:pPr marL="432000" indent="-323640">
+            <a:pPr marL="432000" indent="-323280">
               <a:lnSpc>
                 <a:spcPct val="100000"/>
               </a:lnSpc>
@@ -3636,7 +5274,11 @@
             </a:pPr>
             <a:r>
               <a:rPr b="0" lang="en-US" sz="3200" spc="-1" strike="noStrike">
+                <a:solidFill>
+                  <a:srgbClr val="000000"/>
+                </a:solidFill>
                 <a:latin typeface="Arial"/>
+                <a:ea typeface="DejaVu Sans"/>
               </a:rPr>
               <a:t>Ανοίγουμε τον φάκελο του front-end και τρέχουμε την εντολή npm start </a:t>
             </a:r>
@@ -3697,14 +5339,14 @@
       </p:grpSpPr>
       <p:sp>
         <p:nvSpPr>
-          <p:cNvPr id="79" name="CustomShape 1"/>
+          <p:cNvPr id="117" name="CustomShape 1"/>
           <p:cNvSpPr/>
           <p:nvPr/>
         </p:nvSpPr>
         <p:spPr>
           <a:xfrm>
             <a:off x="504000" y="226080"/>
-            <a:ext cx="9071280" cy="946080"/>
+            <a:ext cx="9070920" cy="945720"/>
           </a:xfrm>
           <a:prstGeom prst="rect">
             <a:avLst/>
@@ -3730,7 +5372,11 @@
             </a:pPr>
             <a:r>
               <a:rPr b="0" lang="en-US" sz="4400" spc="-1" strike="noStrike">
+                <a:solidFill>
+                  <a:srgbClr val="000000"/>
+                </a:solidFill>
                 <a:latin typeface="Arial"/>
+                <a:ea typeface="DejaVu Sans"/>
               </a:rPr>
               <a:t>Περιγραφή Βάσης</a:t>
             </a:r>
@@ -3742,14 +5388,14 @@
       </p:sp>
       <p:sp>
         <p:nvSpPr>
-          <p:cNvPr id="80" name="CustomShape 2"/>
+          <p:cNvPr id="118" name="CustomShape 2"/>
           <p:cNvSpPr/>
           <p:nvPr/>
         </p:nvSpPr>
         <p:spPr>
           <a:xfrm>
             <a:off x="504000" y="1326600"/>
-            <a:ext cx="9071280" cy="3287880"/>
+            <a:ext cx="9070920" cy="3287520"/>
           </a:xfrm>
           <a:prstGeom prst="rect">
             <a:avLst/>
@@ -3770,7 +5416,7 @@
             <a:normAutofit/>
           </a:bodyPr>
           <a:p>
-            <a:pPr marL="432000" indent="-323640">
+            <a:pPr marL="432000" indent="-323280">
               <a:lnSpc>
                 <a:spcPct val="100000"/>
               </a:lnSpc>
@@ -3786,7 +5432,11 @@
             </a:pPr>
             <a:r>
               <a:rPr b="0" lang="en-US" sz="3200" spc="-1" strike="noStrike">
+                <a:solidFill>
+                  <a:srgbClr val="000000"/>
+                </a:solidFill>
                 <a:latin typeface="Arial"/>
+                <a:ea typeface="DejaVu Sans"/>
               </a:rPr>
               <a:t>Η βάση όπου χρησιμοποίησα είναι mysql.</a:t>
             </a:r>
@@ -3795,7 +5445,7 @@
             </a:endParaRPr>
           </a:p>
           <a:p>
-            <a:pPr marL="432000" indent="-323640">
+            <a:pPr marL="432000" indent="-323280">
               <a:lnSpc>
                 <a:spcPct val="100000"/>
               </a:lnSpc>
@@ -3811,7 +5461,11 @@
             </a:pPr>
             <a:r>
               <a:rPr b="0" lang="en-US" sz="3200" spc="-1" strike="noStrike">
+                <a:solidFill>
+                  <a:srgbClr val="000000"/>
+                </a:solidFill>
                 <a:latin typeface="Arial"/>
+                <a:ea typeface="DejaVu Sans"/>
               </a:rPr>
               <a:t>Το database είναι το interapi.</a:t>
             </a:r>
@@ -3820,7 +5474,7 @@
             </a:endParaRPr>
           </a:p>
           <a:p>
-            <a:pPr marL="432000" indent="-323640">
+            <a:pPr marL="432000" indent="-323280">
               <a:lnSpc>
                 <a:spcPct val="100000"/>
               </a:lnSpc>
@@ -3836,7 +5490,11 @@
             </a:pPr>
             <a:r>
               <a:rPr b="0" lang="en-US" sz="3200" spc="-1" strike="noStrike">
+                <a:solidFill>
+                  <a:srgbClr val="000000"/>
+                </a:solidFill>
                 <a:latin typeface="Arial"/>
+                <a:ea typeface="DejaVu Sans"/>
               </a:rPr>
               <a:t>Μοναδικό table είναι το Metadata και περιέχει όλα τα στοιχεία όπου περιέχει και το αρχείο metadata από το site:</a:t>
             </a:r>
@@ -3897,14 +5555,14 @@
       </p:grpSpPr>
       <p:sp>
         <p:nvSpPr>
-          <p:cNvPr id="81" name="CustomShape 1"/>
+          <p:cNvPr id="119" name="CustomShape 1"/>
           <p:cNvSpPr/>
           <p:nvPr/>
         </p:nvSpPr>
         <p:spPr>
           <a:xfrm>
             <a:off x="504000" y="226080"/>
-            <a:ext cx="9071280" cy="946080"/>
+            <a:ext cx="9070920" cy="945720"/>
           </a:xfrm>
           <a:prstGeom prst="rect">
             <a:avLst/>
@@ -3930,7 +5588,11 @@
             </a:pPr>
             <a:r>
               <a:rPr b="0" lang="en-US" sz="4400" spc="-1" strike="noStrike">
+                <a:solidFill>
+                  <a:srgbClr val="000000"/>
+                </a:solidFill>
                 <a:latin typeface="Arial"/>
+                <a:ea typeface="DejaVu Sans"/>
               </a:rPr>
               <a:t>Περιγραφή back-end (1)</a:t>
             </a:r>
@@ -3942,14 +5604,14 @@
       </p:sp>
       <p:sp>
         <p:nvSpPr>
-          <p:cNvPr id="82" name="CustomShape 2"/>
+          <p:cNvPr id="120" name="CustomShape 2"/>
           <p:cNvSpPr/>
           <p:nvPr/>
         </p:nvSpPr>
         <p:spPr>
           <a:xfrm>
             <a:off x="504000" y="1326600"/>
-            <a:ext cx="9071280" cy="3287880"/>
+            <a:ext cx="9070920" cy="3287520"/>
           </a:xfrm>
           <a:prstGeom prst="rect">
             <a:avLst/>
@@ -3970,7 +5632,7 @@
             <a:normAutofit/>
           </a:bodyPr>
           <a:p>
-            <a:pPr marL="432000" indent="-323640">
+            <a:pPr marL="432000" indent="-323280">
               <a:lnSpc>
                 <a:spcPct val="100000"/>
               </a:lnSpc>
@@ -3986,7 +5648,11 @@
             </a:pPr>
             <a:r>
               <a:rPr b="0" lang="en-US" sz="3200" spc="-1" strike="noStrike">
+                <a:solidFill>
+                  <a:srgbClr val="000000"/>
+                </a:solidFill>
                 <a:latin typeface="Arial"/>
+                <a:ea typeface="DejaVu Sans"/>
               </a:rPr>
               <a:t>Χρησιμοποίησα το gradle.</a:t>
             </a:r>
@@ -3995,7 +5661,7 @@
             </a:endParaRPr>
           </a:p>
           <a:p>
-            <a:pPr marL="432000" indent="-323640">
+            <a:pPr marL="432000" indent="-323280">
               <a:lnSpc>
                 <a:spcPct val="100000"/>
               </a:lnSpc>
@@ -4011,7 +5677,11 @@
             </a:pPr>
             <a:r>
               <a:rPr b="0" lang="en-US" sz="3200" spc="-1" strike="noStrike">
+                <a:solidFill>
+                  <a:srgbClr val="000000"/>
+                </a:solidFill>
                 <a:latin typeface="Arial"/>
+                <a:ea typeface="DejaVu Sans"/>
               </a:rPr>
               <a:t>Το αρχείο app.properties περιέχει τις πληροφορίες για την σύνδεση με την βάση.</a:t>
             </a:r>
@@ -4020,7 +5690,7 @@
             </a:endParaRPr>
           </a:p>
           <a:p>
-            <a:pPr marL="432000" indent="-323640">
+            <a:pPr marL="432000" indent="-323280">
               <a:lnSpc>
                 <a:spcPct val="100000"/>
               </a:lnSpc>
@@ -4036,7 +5706,11 @@
             </a:pPr>
             <a:r>
               <a:rPr b="0" lang="en-US" sz="3200" spc="-1" strike="noStrike">
+                <a:solidFill>
+                  <a:srgbClr val="000000"/>
+                </a:solidFill>
                 <a:latin typeface="Arial"/>
+                <a:ea typeface="DejaVu Sans"/>
               </a:rPr>
               <a:t>Το αρχείο web.xml διαχειρίζεται τα servlets και αναθέτει την λειτουργία του api στην κλάση RestfulApp</a:t>
             </a:r>
@@ -4097,14 +5771,14 @@
       </p:grpSpPr>
       <p:sp>
         <p:nvSpPr>
-          <p:cNvPr id="83" name="CustomShape 1"/>
+          <p:cNvPr id="121" name="CustomShape 1"/>
           <p:cNvSpPr/>
           <p:nvPr/>
         </p:nvSpPr>
         <p:spPr>
           <a:xfrm>
             <a:off x="504000" y="226080"/>
-            <a:ext cx="9071280" cy="946080"/>
+            <a:ext cx="9070920" cy="945720"/>
           </a:xfrm>
           <a:prstGeom prst="rect">
             <a:avLst/>
@@ -4130,7 +5804,11 @@
             </a:pPr>
             <a:r>
               <a:rPr b="0" lang="en-US" sz="4400" spc="-1" strike="noStrike">
+                <a:solidFill>
+                  <a:srgbClr val="000000"/>
+                </a:solidFill>
                 <a:latin typeface="Arial"/>
+                <a:ea typeface="DejaVu Sans"/>
               </a:rPr>
               <a:t>Περιγραφή back-end (2)</a:t>
             </a:r>
@@ -4142,14 +5820,14 @@
       </p:sp>
       <p:sp>
         <p:nvSpPr>
-          <p:cNvPr id="84" name="CustomShape 2"/>
+          <p:cNvPr id="122" name="CustomShape 2"/>
           <p:cNvSpPr/>
           <p:nvPr/>
         </p:nvSpPr>
         <p:spPr>
           <a:xfrm>
             <a:off x="504000" y="1326600"/>
-            <a:ext cx="9071280" cy="3287880"/>
+            <a:ext cx="9070920" cy="3287520"/>
           </a:xfrm>
           <a:prstGeom prst="rect">
             <a:avLst/>
@@ -4170,7 +5848,7 @@
             <a:normAutofit/>
           </a:bodyPr>
           <a:p>
-            <a:pPr marL="432000" indent="-323640">
+            <a:pPr marL="432000" indent="-323280">
               <a:lnSpc>
                 <a:spcPct val="100000"/>
               </a:lnSpc>
@@ -4186,7 +5864,11 @@
             </a:pPr>
             <a:r>
               <a:rPr b="0" lang="en-US" sz="3200" spc="-1" strike="noStrike">
+                <a:solidFill>
+                  <a:srgbClr val="000000"/>
+                </a:solidFill>
                 <a:latin typeface="Arial"/>
+                <a:ea typeface="DejaVu Sans"/>
               </a:rPr>
               <a:t>Η κλάση RestfulApp διαχειρίζεται τα paths και τα αντιστοιχίζει σε άλλες κλάσεις.</a:t>
             </a:r>
@@ -4195,7 +5877,7 @@
             </a:endParaRPr>
           </a:p>
           <a:p>
-            <a:pPr marL="432000" indent="-323640">
+            <a:pPr marL="432000" indent="-323280">
               <a:lnSpc>
                 <a:spcPct val="100000"/>
               </a:lnSpc>
@@ -4211,7 +5893,11 @@
             </a:pPr>
             <a:r>
               <a:rPr b="0" lang="en-US" sz="3200" spc="-1" strike="noStrike">
+                <a:solidFill>
+                  <a:srgbClr val="000000"/>
+                </a:solidFill>
                 <a:latin typeface="Arial"/>
+                <a:ea typeface="DejaVu Sans"/>
               </a:rPr>
               <a:t>Η κλάση Scientists αντιστιχείζεται στο path /internet/applications/Scientists/diseases και εξυπηρετεί αποκλειστικά μία μέθοδο post.</a:t>
             </a:r>
@@ -4220,7 +5906,7 @@
             </a:endParaRPr>
           </a:p>
           <a:p>
-            <a:pPr marL="432000" indent="-323640">
+            <a:pPr marL="432000" indent="-323280">
               <a:lnSpc>
                 <a:spcPct val="100000"/>
               </a:lnSpc>
@@ -4236,7 +5922,11 @@
             </a:pPr>
             <a:r>
               <a:rPr b="0" lang="en-US" sz="3200" spc="-1" strike="noStrike">
+                <a:solidFill>
+                  <a:srgbClr val="000000"/>
+                </a:solidFill>
                 <a:latin typeface="Arial"/>
+                <a:ea typeface="DejaVu Sans"/>
               </a:rPr>
               <a:t>To post παίρνει ως είσοδο μια ασθένεια και με την βοήθεια της κλάσσης dataAccess αναζητά τους 10 επιστήμονες που έχουν υπάρξει primary authors στα πιο πολλά άρθρα σχετικά με την ασθένεια αυτή.</a:t>
             </a:r>
@@ -4245,7 +5935,7 @@
             </a:endParaRPr>
           </a:p>
           <a:p>
-            <a:pPr marL="432000" indent="-323640">
+            <a:pPr marL="432000" indent="-323280">
               <a:lnSpc>
                 <a:spcPct val="100000"/>
               </a:lnSpc>
@@ -4261,7 +5951,11 @@
             </a:pPr>
             <a:r>
               <a:rPr b="0" lang="en-US" sz="3200" spc="-1" strike="noStrike">
+                <a:solidFill>
+                  <a:srgbClr val="000000"/>
+                </a:solidFill>
                 <a:latin typeface="Arial"/>
+                <a:ea typeface="DejaVu Sans"/>
               </a:rPr>
               <a:t>Στην συνέχεια επιστρέφει το αποτέλεσμα αυτό</a:t>
             </a:r>
@@ -4322,14 +6016,14 @@
       </p:grpSpPr>
       <p:sp>
         <p:nvSpPr>
-          <p:cNvPr id="85" name="CustomShape 1"/>
+          <p:cNvPr id="123" name="CustomShape 1"/>
           <p:cNvSpPr/>
           <p:nvPr/>
         </p:nvSpPr>
         <p:spPr>
           <a:xfrm>
             <a:off x="504000" y="226080"/>
-            <a:ext cx="9071280" cy="946080"/>
+            <a:ext cx="9070920" cy="945720"/>
           </a:xfrm>
           <a:prstGeom prst="rect">
             <a:avLst/>
@@ -4355,7 +6049,11 @@
             </a:pPr>
             <a:r>
               <a:rPr b="0" lang="en-US" sz="4400" spc="-1" strike="noStrike">
+                <a:solidFill>
+                  <a:srgbClr val="000000"/>
+                </a:solidFill>
                 <a:latin typeface="Arial"/>
+                <a:ea typeface="DejaVu Sans"/>
               </a:rPr>
               <a:t>Περιγραφή front-end(1)</a:t>
             </a:r>
@@ -4367,14 +6065,14 @@
       </p:sp>
       <p:sp>
         <p:nvSpPr>
-          <p:cNvPr id="86" name="CustomShape 2"/>
+          <p:cNvPr id="124" name="CustomShape 2"/>
           <p:cNvSpPr/>
           <p:nvPr/>
         </p:nvSpPr>
         <p:spPr>
           <a:xfrm>
             <a:off x="504000" y="1326600"/>
-            <a:ext cx="9071280" cy="3287880"/>
+            <a:ext cx="9070920" cy="3287520"/>
           </a:xfrm>
           <a:prstGeom prst="rect">
             <a:avLst/>
@@ -4395,7 +6093,7 @@
             <a:normAutofit/>
           </a:bodyPr>
           <a:p>
-            <a:pPr marL="432000" indent="-323640">
+            <a:pPr marL="432000" indent="-323280">
               <a:lnSpc>
                 <a:spcPct val="100000"/>
               </a:lnSpc>
@@ -4411,7 +6109,11 @@
             </a:pPr>
             <a:r>
               <a:rPr b="0" lang="en-US" sz="3200" spc="-1" strike="noStrike">
+                <a:solidFill>
+                  <a:srgbClr val="000000"/>
+                </a:solidFill>
                 <a:latin typeface="Arial"/>
+                <a:ea typeface="DejaVu Sans"/>
               </a:rPr>
               <a:t>Για την κατασκευή του front-end υποσυστήματος χρησιμοποίησα το npm και πιο συγκεκριμένα την React.</a:t>
             </a:r>
@@ -4420,7 +6122,7 @@
             </a:endParaRPr>
           </a:p>
           <a:p>
-            <a:pPr marL="432000" indent="-323640">
+            <a:pPr marL="432000" indent="-323280">
               <a:lnSpc>
                 <a:spcPct val="100000"/>
               </a:lnSpc>
@@ -4436,7 +6138,11 @@
             </a:pPr>
             <a:r>
               <a:rPr b="0" lang="en-US" sz="3200" spc="-1" strike="noStrike">
+                <a:solidFill>
+                  <a:srgbClr val="000000"/>
+                </a:solidFill>
                 <a:latin typeface="Arial"/>
+                <a:ea typeface="DejaVu Sans"/>
               </a:rPr>
               <a:t>To front end αποτελείται από ένα πεδίο αναζήτησης στο οποίο ο χρήστης συμπληρώνει την όποια ασθένεια τον ενδιαφέρει και με το submit κουμπί καλέιται η handlesubmit.</a:t>
             </a:r>
@@ -4497,14 +6203,14 @@
       </p:grpSpPr>
       <p:sp>
         <p:nvSpPr>
-          <p:cNvPr id="87" name="CustomShape 1"/>
+          <p:cNvPr id="125" name="CustomShape 1"/>
           <p:cNvSpPr/>
           <p:nvPr/>
         </p:nvSpPr>
         <p:spPr>
           <a:xfrm>
             <a:off x="504000" y="226080"/>
-            <a:ext cx="9071280" cy="946080"/>
+            <a:ext cx="9070920" cy="945720"/>
           </a:xfrm>
           <a:prstGeom prst="rect">
             <a:avLst/>
@@ -4530,7 +6236,11 @@
             </a:pPr>
             <a:r>
               <a:rPr b="0" lang="en-US" sz="4400" spc="-1" strike="noStrike">
+                <a:solidFill>
+                  <a:srgbClr val="000000"/>
+                </a:solidFill>
                 <a:latin typeface="Arial"/>
+                <a:ea typeface="DejaVu Sans"/>
               </a:rPr>
               <a:t>Περιγραφή front-end (2)</a:t>
             </a:r>
@@ -4542,14 +6252,14 @@
       </p:sp>
       <p:sp>
         <p:nvSpPr>
-          <p:cNvPr id="88" name="CustomShape 2"/>
+          <p:cNvPr id="126" name="CustomShape 2"/>
           <p:cNvSpPr/>
           <p:nvPr/>
         </p:nvSpPr>
         <p:spPr>
           <a:xfrm>
             <a:off x="504000" y="1326600"/>
-            <a:ext cx="9071280" cy="3287880"/>
+            <a:ext cx="9070920" cy="3287520"/>
           </a:xfrm>
           <a:prstGeom prst="rect">
             <a:avLst/>
@@ -4570,7 +6280,7 @@
             <a:normAutofit/>
           </a:bodyPr>
           <a:p>
-            <a:pPr marL="432000" indent="-323640">
+            <a:pPr marL="432000" indent="-323280">
               <a:lnSpc>
                 <a:spcPct val="100000"/>
               </a:lnSpc>
@@ -4586,7 +6296,11 @@
             </a:pPr>
             <a:r>
               <a:rPr b="0" lang="en-US" sz="3200" spc="-1" strike="noStrike">
+                <a:solidFill>
+                  <a:srgbClr val="000000"/>
+                </a:solidFill>
                 <a:latin typeface="Arial"/>
+                <a:ea typeface="DejaVu Sans"/>
               </a:rPr>
               <a:t>H handlesubmit κάνει ένα post request στο back-end από το οποίο περιμένει το αποτέλεσμα των 10 authors στην συνέχεια αλλάζει τα data.</a:t>
             </a:r>
@@ -4595,7 +6309,7 @@
             </a:endParaRPr>
           </a:p>
           <a:p>
-            <a:pPr marL="432000" indent="-323640">
+            <a:pPr marL="432000" indent="-323280">
               <a:lnSpc>
                 <a:spcPct val="100000"/>
               </a:lnSpc>
@@ -4611,7 +6325,11 @@
             </a:pPr>
             <a:r>
               <a:rPr b="0" lang="en-US" sz="3200" spc="-1" strike="noStrike">
+                <a:solidFill>
+                  <a:srgbClr val="000000"/>
+                </a:solidFill>
                 <a:latin typeface="Arial"/>
+                <a:ea typeface="DejaVu Sans"/>
               </a:rPr>
               <a:t>Αν η list με τα Author είναι μη κενή τότε την τυπώνει σε ένα table,αλλιώς δεν τυπώνει κάτι. </a:t>
             </a:r>
@@ -4672,14 +6390,14 @@
       </p:grpSpPr>
       <p:sp>
         <p:nvSpPr>
-          <p:cNvPr id="89" name="TextShape 1"/>
-          <p:cNvSpPr txBox="1"/>
+          <p:cNvPr id="127" name="CustomShape 1"/>
+          <p:cNvSpPr/>
           <p:nvPr/>
         </p:nvSpPr>
         <p:spPr>
           <a:xfrm>
             <a:off x="504000" y="226080"/>
-            <a:ext cx="9071280" cy="946080"/>
+            <a:ext cx="9070920" cy="945720"/>
           </a:xfrm>
           <a:prstGeom prst="rect">
             <a:avLst/>
@@ -4689,10 +6407,20 @@
             <a:noFill/>
           </a:ln>
         </p:spPr>
+        <p:style>
+          <a:lnRef idx="0"/>
+          <a:fillRef idx="0"/>
+          <a:effectRef idx="0"/>
+          <a:fontRef idx="minor"/>
+        </p:style>
         <p:txBody>
           <a:bodyPr lIns="0" rIns="0" tIns="0" bIns="0" anchor="ctr"/>
           <a:p>
-            <a:pPr algn="ctr"/>
+            <a:pPr algn="ctr">
+              <a:lnSpc>
+                <a:spcPct val="100000"/>
+              </a:lnSpc>
+            </a:pPr>
             <a:r>
               <a:rPr b="0" lang="en-US" sz="4400" spc="-1" strike="noStrike">
                 <a:latin typeface="Arial"/>
@@ -4707,14 +6435,14 @@
       </p:sp>
       <p:sp>
         <p:nvSpPr>
-          <p:cNvPr id="90" name="TextShape 2"/>
-          <p:cNvSpPr txBox="1"/>
+          <p:cNvPr id="128" name="CustomShape 2"/>
+          <p:cNvSpPr/>
           <p:nvPr/>
         </p:nvSpPr>
         <p:spPr>
           <a:xfrm>
             <a:off x="504000" y="1326600"/>
-            <a:ext cx="9071280" cy="3287880"/>
+            <a:ext cx="9070920" cy="3287520"/>
           </a:xfrm>
           <a:prstGeom prst="rect">
             <a:avLst/>
@@ -4724,12 +6452,21 @@
             <a:noFill/>
           </a:ln>
         </p:spPr>
-        <p:txBody>
-          <a:bodyPr lIns="0" rIns="0" tIns="0" bIns="0">
-            <a:normAutofit/>
-          </a:bodyPr>
-          <a:p>
-            <a:pPr marL="432000" indent="-324000">
+        <p:style>
+          <a:lnRef idx="0"/>
+          <a:fillRef idx="0"/>
+          <a:effectRef idx="0"/>
+          <a:fontRef idx="minor"/>
+        </p:style>
+        <p:txBody>
+          <a:bodyPr lIns="0" rIns="0" tIns="0" bIns="0">
+            <a:normAutofit/>
+          </a:bodyPr>
+          <a:p>
+            <a:pPr marL="432000" indent="-323640">
+              <a:lnSpc>
+                <a:spcPct val="100000"/>
+              </a:lnSpc>
               <a:spcBef>
                 <a:spcPts val="1417"/>
               </a:spcBef>
@@ -4751,7 +6488,10 @@
             </a:endParaRPr>
           </a:p>
           <a:p>
-            <a:pPr marL="432000" indent="-324000">
+            <a:pPr marL="432000" indent="-323640">
+              <a:lnSpc>
+                <a:spcPct val="100000"/>
+              </a:lnSpc>
               <a:spcBef>
                 <a:spcPts val="1417"/>
               </a:spcBef>
@@ -4825,14 +6565,14 @@
       </p:grpSpPr>
       <p:sp>
         <p:nvSpPr>
-          <p:cNvPr id="91" name="TextShape 1"/>
-          <p:cNvSpPr txBox="1"/>
+          <p:cNvPr id="129" name="CustomShape 1"/>
+          <p:cNvSpPr/>
           <p:nvPr/>
         </p:nvSpPr>
         <p:spPr>
           <a:xfrm>
             <a:off x="504000" y="226080"/>
-            <a:ext cx="9071280" cy="946080"/>
+            <a:ext cx="9070920" cy="945720"/>
           </a:xfrm>
           <a:prstGeom prst="rect">
             <a:avLst/>
@@ -4842,10 +6582,20 @@
             <a:noFill/>
           </a:ln>
         </p:spPr>
+        <p:style>
+          <a:lnRef idx="0"/>
+          <a:fillRef idx="0"/>
+          <a:effectRef idx="0"/>
+          <a:fontRef idx="minor"/>
+        </p:style>
         <p:txBody>
           <a:bodyPr lIns="0" rIns="0" tIns="0" bIns="0" anchor="ctr"/>
           <a:p>
-            <a:pPr algn="ctr"/>
+            <a:pPr algn="ctr">
+              <a:lnSpc>
+                <a:spcPct val="100000"/>
+              </a:lnSpc>
+            </a:pPr>
             <a:r>
               <a:rPr b="0" lang="en-US" sz="4400" spc="-1" strike="noStrike">
                 <a:latin typeface="Arial"/>
@@ -4860,14 +6610,14 @@
       </p:sp>
       <p:sp>
         <p:nvSpPr>
-          <p:cNvPr id="92" name="TextShape 2"/>
-          <p:cNvSpPr txBox="1"/>
+          <p:cNvPr id="130" name="CustomShape 2"/>
+          <p:cNvSpPr/>
           <p:nvPr/>
         </p:nvSpPr>
         <p:spPr>
           <a:xfrm>
             <a:off x="504000" y="1326600"/>
-            <a:ext cx="9071280" cy="3287880"/>
+            <a:ext cx="9070920" cy="3287520"/>
           </a:xfrm>
           <a:prstGeom prst="rect">
             <a:avLst/>
@@ -4877,12 +6627,21 @@
             <a:noFill/>
           </a:ln>
         </p:spPr>
-        <p:txBody>
-          <a:bodyPr lIns="0" rIns="0" tIns="0" bIns="0">
-            <a:normAutofit/>
-          </a:bodyPr>
-          <a:p>
-            <a:pPr marL="432000" indent="-324000">
+        <p:style>
+          <a:lnRef idx="0"/>
+          <a:fillRef idx="0"/>
+          <a:effectRef idx="0"/>
+          <a:fontRef idx="minor"/>
+        </p:style>
+        <p:txBody>
+          <a:bodyPr lIns="0" rIns="0" tIns="0" bIns="0">
+            <a:normAutofit/>
+          </a:bodyPr>
+          <a:p>
+            <a:pPr marL="432000" indent="-323640">
+              <a:lnSpc>
+                <a:spcPct val="100000"/>
+              </a:lnSpc>
               <a:spcBef>
                 <a:spcPts val="1417"/>
               </a:spcBef>
@@ -4904,7 +6663,10 @@
             </a:endParaRPr>
           </a:p>
           <a:p>
-            <a:pPr marL="432000" indent="-324000">
+            <a:pPr marL="432000" indent="-323640">
+              <a:lnSpc>
+                <a:spcPct val="100000"/>
+              </a:lnSpc>
               <a:spcBef>
                 <a:spcPts val="1417"/>
               </a:spcBef>
@@ -5403,4 +7165,227 @@
     </a:fmtScheme>
   </a:themeElements>
 </a:theme>
+</file>
+
+<file path=ppt/theme/theme3.xml><?xml version="1.0" encoding="utf-8"?>
+<a:theme xmlns:a="http://schemas.openxmlformats.org/drawingml/2006/main" name="Office Theme">
+  <a:themeElements>
+    <a:clrScheme name="Office">
+      <a:dk1>
+        <a:sysClr val="windowText" lastClr="000000"/>
+      </a:dk1>
+      <a:lt1>
+        <a:sysClr val="window" lastClr="FFFFFF"/>
+      </a:lt1>
+      <a:dk2>
+        <a:srgbClr val="1f497d"/>
+      </a:dk2>
+      <a:lt2>
+        <a:srgbClr val="eeece1"/>
+      </a:lt2>
+      <a:accent1>
+        <a:srgbClr val="4f81bd"/>
+      </a:accent1>
+      <a:accent2>
+        <a:srgbClr val="c0504d"/>
+      </a:accent2>
+      <a:accent3>
+        <a:srgbClr val="9bbb59"/>
+      </a:accent3>
+      <a:accent4>
+        <a:srgbClr val="8064a2"/>
+      </a:accent4>
+      <a:accent5>
+        <a:srgbClr val="4bacc6"/>
+      </a:accent5>
+      <a:accent6>
+        <a:srgbClr val="f79646"/>
+      </a:accent6>
+      <a:hlink>
+        <a:srgbClr val="0000ff"/>
+      </a:hlink>
+      <a:folHlink>
+        <a:srgbClr val="800080"/>
+      </a:folHlink>
+    </a:clrScheme>
+    <a:fontScheme name="Office">
+      <a:majorFont>
+        <a:latin typeface="Arial"/>
+        <a:ea typeface="DejaVu Sans"/>
+        <a:cs typeface="DejaVu Sans"/>
+      </a:majorFont>
+      <a:minorFont>
+        <a:latin typeface="Arial"/>
+        <a:ea typeface="DejaVu Sans"/>
+        <a:cs typeface="DejaVu Sans"/>
+      </a:minorFont>
+    </a:fontScheme>
+    <a:fmtScheme name="Office">
+      <a:fillStyleLst>
+        <a:solidFill>
+          <a:schemeClr val="phClr"/>
+        </a:solidFill>
+        <a:gradFill rotWithShape="1">
+          <a:gsLst>
+            <a:gs pos="0">
+              <a:schemeClr val="phClr">
+                <a:tint val="50000"/>
+                <a:satMod val="300000"/>
+              </a:schemeClr>
+            </a:gs>
+            <a:gs pos="35000">
+              <a:schemeClr val="phClr">
+                <a:tint val="37000"/>
+                <a:satMod val="300000"/>
+              </a:schemeClr>
+            </a:gs>
+            <a:gs pos="100000">
+              <a:schemeClr val="phClr">
+                <a:tint val="15000"/>
+                <a:satMod val="350000"/>
+              </a:schemeClr>
+            </a:gs>
+          </a:gsLst>
+          <a:lin ang="16200000" scaled="1"/>
+        </a:gradFill>
+        <a:gradFill rotWithShape="1">
+          <a:gsLst>
+            <a:gs pos="0">
+              <a:schemeClr val="phClr">
+                <a:shade val="51000"/>
+                <a:satMod val="130000"/>
+              </a:schemeClr>
+            </a:gs>
+            <a:gs pos="80000">
+              <a:schemeClr val="phClr">
+                <a:shade val="93000"/>
+                <a:satMod val="130000"/>
+              </a:schemeClr>
+            </a:gs>
+            <a:gs pos="100000">
+              <a:schemeClr val="phClr">
+                <a:shade val="94000"/>
+                <a:satMod val="135000"/>
+              </a:schemeClr>
+            </a:gs>
+          </a:gsLst>
+          <a:lin ang="16200000" scaled="0"/>
+        </a:gradFill>
+      </a:fillStyleLst>
+      <a:lnStyleLst>
+        <a:ln w="9525" cap="flat" cmpd="sng" algn="ctr">
+          <a:solidFill>
+            <a:schemeClr val="phClr">
+              <a:shade val="95000"/>
+              <a:satMod val="105000"/>
+            </a:schemeClr>
+          </a:solidFill>
+          <a:prstDash val="solid"/>
+        </a:ln>
+        <a:ln w="25400" cap="flat" cmpd="sng" algn="ctr">
+          <a:solidFill>
+            <a:schemeClr val="phClr"/>
+          </a:solidFill>
+          <a:prstDash val="solid"/>
+        </a:ln>
+        <a:ln w="38100" cap="flat" cmpd="sng" algn="ctr">
+          <a:solidFill>
+            <a:schemeClr val="phClr"/>
+          </a:solidFill>
+          <a:prstDash val="solid"/>
+        </a:ln>
+      </a:lnStyleLst>
+      <a:effectStyleLst>
+        <a:effectStyle>
+          <a:effectLst>
+            <a:outerShdw blurRad="40000" dist="20000" dir="5400000" rotWithShape="0">
+              <a:srgbClr val="000000">
+                <a:alpha val="38000"/>
+              </a:srgbClr>
+            </a:outerShdw>
+          </a:effectLst>
+        </a:effectStyle>
+        <a:effectStyle>
+          <a:effectLst>
+            <a:outerShdw blurRad="40000" dist="23000" dir="5400000" rotWithShape="0">
+              <a:srgbClr val="000000">
+                <a:alpha val="35000"/>
+              </a:srgbClr>
+            </a:outerShdw>
+          </a:effectLst>
+        </a:effectStyle>
+        <a:effectStyle>
+          <a:effectLst>
+            <a:outerShdw blurRad="40000" dist="23000" dir="5400000" rotWithShape="0">
+              <a:srgbClr val="000000">
+                <a:alpha val="35000"/>
+              </a:srgbClr>
+            </a:outerShdw>
+          </a:effectLst>
+          <a:scene3d>
+            <a:camera prst="orthographicFront">
+              <a:rot lat="0" lon="0" rev="0"/>
+            </a:camera>
+            <a:lightRig rig="threePt" dir="t">
+              <a:rot lat="0" lon="0" rev="1200000"/>
+            </a:lightRig>
+          </a:scene3d>
+          <a:sp3d>
+            <a:bevelT w="63500" h="25400"/>
+          </a:sp3d>
+        </a:effectStyle>
+      </a:effectStyleLst>
+      <a:bgFillStyleLst>
+        <a:solidFill>
+          <a:schemeClr val="phClr"/>
+        </a:solidFill>
+        <a:gradFill rotWithShape="1">
+          <a:gsLst>
+            <a:gs pos="0">
+              <a:schemeClr val="phClr">
+                <a:tint val="40000"/>
+                <a:satMod val="350000"/>
+              </a:schemeClr>
+            </a:gs>
+            <a:gs pos="40000">
+              <a:schemeClr val="phClr">
+                <a:tint val="45000"/>
+                <a:shade val="99000"/>
+                <a:satMod val="350000"/>
+              </a:schemeClr>
+            </a:gs>
+            <a:gs pos="100000">
+              <a:schemeClr val="phClr">
+                <a:shade val="20000"/>
+                <a:satMod val="255000"/>
+              </a:schemeClr>
+            </a:gs>
+          </a:gsLst>
+          <a:path path="circle">
+            <a:fillToRect l="50000" t="-80000" r="50000" b="180000"/>
+          </a:path>
+        </a:gradFill>
+        <a:gradFill rotWithShape="1">
+          <a:gsLst>
+            <a:gs pos="0">
+              <a:schemeClr val="phClr">
+                <a:tint val="80000"/>
+                <a:satMod val="300000"/>
+              </a:schemeClr>
+            </a:gs>
+            <a:gs pos="100000">
+              <a:schemeClr val="phClr">
+                <a:shade val="30000"/>
+                <a:satMod val="200000"/>
+              </a:schemeClr>
+            </a:gs>
+          </a:gsLst>
+          <a:path path="circle">
+            <a:fillToRect l="50000" t="50000" r="50000" b="50000"/>
+          </a:path>
+        </a:gradFill>
+      </a:bgFillStyleLst>
+    </a:fmtScheme>
+  </a:themeElements>
+</a:theme>
 </file>